--- a/CS4273-Introduce to Software Engineering/Slides/Lab 4. Implement.pptx
+++ b/CS4273-Introduce to Software Engineering/Slides/Lab 4. Implement.pptx
@@ -5,7 +5,7 @@
     <p:sldMasterId id="2147483648" r:id="rId1"/>
   </p:sldMasterIdLst>
   <p:notesMasterIdLst>
-    <p:notesMasterId r:id="rId13"/>
+    <p:notesMasterId r:id="rId14"/>
   </p:notesMasterIdLst>
   <p:sldIdLst>
     <p:sldId id="256" r:id="rId2"/>
@@ -15,10 +15,11 @@
     <p:sldId id="278" r:id="rId6"/>
     <p:sldId id="279" r:id="rId7"/>
     <p:sldId id="280" r:id="rId8"/>
-    <p:sldId id="281" r:id="rId9"/>
-    <p:sldId id="282" r:id="rId10"/>
-    <p:sldId id="276" r:id="rId11"/>
-    <p:sldId id="266" r:id="rId12"/>
+    <p:sldId id="283" r:id="rId9"/>
+    <p:sldId id="281" r:id="rId10"/>
+    <p:sldId id="282" r:id="rId11"/>
+    <p:sldId id="276" r:id="rId12"/>
+    <p:sldId id="266" r:id="rId13"/>
   </p:sldIdLst>
   <p:sldSz cx="12192000" cy="6858000"/>
   <p:notesSz cx="6858000" cy="9144000"/>
@@ -131,100 +132,24 @@
     <inkml:context xml:id="ctx0">
       <inkml:inkSource xml:id="inkSrc0">
         <inkml:traceFormat>
-          <inkml:channel name="X" type="integer" max="1360" units="cm"/>
-          <inkml:channel name="Y" type="integer" max="768" units="cm"/>
-          <inkml:channel name="T" type="integer" max="2.14748E9" units="dev"/>
+          <inkml:channel name="X" type="integer" min="-2.14748E9" max="2.14748E9" units="cm"/>
+          <inkml:channel name="Y" type="integer" min="-2.14748E9" max="2.14748E9" units="cm"/>
         </inkml:traceFormat>
         <inkml:channelProperties>
-          <inkml:channelProperty channel="X" name="resolution" value="33.49754" units="1/cm"/>
-          <inkml:channelProperty channel="Y" name="resolution" value="33.53712" units="1/cm"/>
-          <inkml:channelProperty channel="T" name="resolution" value="1" units="1/dev"/>
+          <inkml:channelProperty channel="X" name="resolution" value="1000" units="1/cm"/>
+          <inkml:channelProperty channel="Y" name="resolution" value="1000" units="1/cm"/>
         </inkml:channelProperties>
       </inkml:inkSource>
-      <inkml:timestamp xml:id="ts0" timeString="2021-11-08T06:20:47.162"/>
+      <inkml:timestamp xml:id="ts0" timeString="2021-09-10T04:47:09.484"/>
     </inkml:context>
     <inkml:brush xml:id="br0">
-      <inkml:brushProperty name="width" value="0.05292" units="cm"/>
-      <inkml:brushProperty name="height" value="0.05292" units="cm"/>
-      <inkml:brushProperty name="color" value="#FF0000"/>
+      <inkml:brushProperty name="width" value="0.1" units="cm"/>
+      <inkml:brushProperty name="height" value="0.1" units="cm"/>
+      <inkml:brushProperty name="color" value="#333333"/>
+      <inkml:brushProperty name="ignorePressure" value="1"/>
     </inkml:brush>
   </inkml:definitions>
-  <inkml:trace contextRef="#ctx0" brushRef="#br0">7421 14593 0,'25'25'16,"0"0"47</inkml:trace>
-  <inkml:trace contextRef="#ctx0" brushRef="#br0" timeOffset="87049.31">3038 5105 0,'25'0'125,"0"0"-109,0 0-1,0-25 1,0 1 31,-25-1-31,24 0-1,1 0-15,-25 0 16,0 0-16,0 0 15,0 0 1,0 0-16,0 0 31,0 1-31,0-1 16,0 0 0,0 0-16,0 0 15,0 0-15,0 0 16,-25 0-1,1 0 1,-1 0 0,-25 0 15,25 25-15,0-24-16,-25 24 15,25 0-15,0 0 16,1 0-1,-26 0-15,25 0 16,-25 0-16,25 0 16,0 0-1,0 24-15,0 1 16,1-25 0,-26 25-1,25-25-15,25 25 16,-25 0-1,25 0-15,0 25 16,0-25 0,0 25-1,0-26 1,0 1 0,0 0-16,0 0 15,0 0-15,0 25 16,0-25-16,25 0 15,25 24-15,-25-24 16,-1 25 0,1-50-16,0 25 15,25 0-15,0-25 16,0 0-16,-25 0 16,-1 0-16,26 0 15,-25 0-15,0 0 16,0 0-16,25 0 15,-50-25 32,0 0-31,0 0 0,0 0-1</inkml:trace>
-  <inkml:trace contextRef="#ctx0" brushRef="#br0" timeOffset="87982">2864 5205 0,'-25'25'63,"25"25"-48,25-25-15,-25-1 16,0 1-16,25 25 16,-25-25-1,25 25-15,-25 0 16,0-25-16,0 24 15,24 1-15,-24 25 16,0-25-16,0-1 16,0-24-16,0 0 15,0 25-15,0-25 16,0 0 15,0 0 157,0 0-173,0 25-15,0-1 16,0 26-16,-74-25 0,24 74 16,25-49-16,-25 25 15,0-1 1,26-24-16,24-25 15,-50 49-15,0 1 16,25-50-16,0 0 16,25-26-16,-25-24 78,25-24-47,0-1-15,25 25-16</inkml:trace>
-  <inkml:trace contextRef="#ctx0" brushRef="#br0" timeOffset="88652.71">3013 6151 0,'0'25'47,"25"25"-32,0 0-15,-25 0 16,50 24-16,0-24 15,-26 25-15,51 24 16,-75-74-16,0 0 16,25 0-16,-25 0 15,25 0 1,-25 0 0,0 0-1,0 0 1,25-1-1,-25-73 64,-50-1-79</inkml:trace>
-  <inkml:trace contextRef="#ctx0" brushRef="#br0" timeOffset="89440.38">2490 5927 0,'25'0'47,"0"0"-32,25 0-15,-25 0 16,25 0 0,-1 0-16,1 0 15,50 0-15,-50 0 16,49 0-16,1 0 15,-75 0-15,24 0 16,1 0-16,0 0 16,-25 0-16,0 0 15,0-25-15</inkml:trace>
-  <inkml:trace contextRef="#ctx0" brushRef="#br0" timeOffset="91153.37">3885 4856 0,'50'-25'46,"24"-49"-46,-49 49 0,25 0 16,25 0-16,-1 0 16,51-25-16,-1 25 15,26-49 1,-1 24-16,1 25 16,-26 0-16,1 0 15,-51 25-15</inkml:trace>
-  <inkml:trace contextRef="#ctx0" brushRef="#br0" timeOffset="92227.86">3959 4508 0,'0'49'47,"0"1"-32,0 0-15,0 0 16,0 0-16,0-25 15,0 0-15,0-1 16,0 1-16,0 0 16,0 0-1,25-25 173,0 0-173,50 0-15,-25 0 16,-25 0-16,49 0 16,26 0-1,-50 0-15,24 0 0,-24 0 16,0 0-16,-25 0 16</inkml:trace>
-  <inkml:trace contextRef="#ctx0" brushRef="#br0" timeOffset="92914.4">5802 4109 0,'0'-25'15,"25"75"1,0 0-1,0 25-15,-25-26 0,0 26 16,25 25 0,-25-50-16,25 49 15,0-49-15,-1 25 16,-24-50-16,25 24 16,-25-24-16,50 50 15,-25-75-15,-25 25 16,0 0-16,-50-100 94</inkml:trace>
-  <inkml:trace contextRef="#ctx0" brushRef="#br0" timeOffset="93424.7">5827 4134 0,'0'-25'63,"25"25"-47,50 0-16,-26 0 15,1 0-15,50 0 16,-25 0-16,24 0 15,-49 0-15,-25 0 16,0 0 0</inkml:trace>
-  <inkml:trace contextRef="#ctx0" brushRef="#br0" timeOffset="93882.9">5927 4582 0,'25'0'47,"24"0"-32,26 0-15,0 0 16,-25 0-16,24 0 16,-49 0-16,0 0 15,25 0-15,-25 0 16</inkml:trace>
-  <inkml:trace contextRef="#ctx0" brushRef="#br0" timeOffset="94362.18">6748 4109 0,'0'50'47,"0"0"-31,0-25-16,0 25 15,0-1-15,0 51 0,0-25 16,25-1-1,-25-49-15,0 50 16,50 0-16,-50-50 16,0 0-16,0 49 15,0-49-15,25 0 16,-25 25 0,25-50-16</inkml:trace>
-  <inkml:trace contextRef="#ctx0" brushRef="#br0" timeOffset="94795.26">6773 4109 0,'50'0'47,"-25"0"-47,50 0 15,-50 0 1,24 0-1,-24 0-15,0 0 16,0 0 0</inkml:trace>
-  <inkml:trace contextRef="#ctx0" brushRef="#br0" timeOffset="95220.86">6823 4682 0,'75'0'16,"-25"0"-16,-25 0 16,-1 0-16,1 0 0,0 0 15,0-25 1,0 25-16,0 0 16,0 0-1,0 0 1</inkml:trace>
-  <inkml:trace contextRef="#ctx0" brushRef="#br0" timeOffset="95628.1">6873 5080 0,'25'0'31,"0"0"-31,0 0 0,0 0 16,24 0-16,1 0 15,-50-24-15,25 24 16,0 0-16,0 0 16,0-25-16,25 0 15,-26 25-15,26 0 16,0 0-1,-25 0-15,0 0 16,50 0-16,-51 0 0,1 0 16</inkml:trace>
-  <inkml:trace contextRef="#ctx0" brushRef="#br0" timeOffset="99158.11">6101 12626 0,'-25'0'78,"50"0"-62,0-25-16,25 25 15,-1 0-15,1 0 16,0 0 0,0 0-16,0 0 15,0 0-15,24 0 16,-24 0-16,25 0 15,-25 0-15,49 0 16,-24 0-16,-25 0 16,24 0-16,1 0 15,0 0-15,-25 0 16,24 0 0,26 0-16,-50 0 0,24 0 15,51 0-15,-50 0 16,-26 0-16,26 0 15,0 0-15,-25 0 16,-1 0 0,26 0-16,0 0 15,0 0-15,-26 0 16,26 0-16,-25-25 16,0 25-16,24 0 15,1 0-15,25 0 16,-26 0-16,-24 0 15,25 0-15,-25 0 16,-25 0-16,74-25 16,-74 0-1,25 25-15,-25 0 16,0 0 0,0 0-1,0 0 1,-25-25-16,24 25 15,1 0 1</inkml:trace>
-  <inkml:trace contextRef="#ctx0" brushRef="#br0" timeOffset="100616.67">6250 12925 0,'0'74'62,"0"-49"-46,0 25-16,0 0 16,0 0-16,0 49 15,-25 1-15,1 49 0,-1-49 16,0-1 0,0 1-16,0 0 15,25-26-15,-25 26 16,0-25-16,25-26 15,0 26-15,0-25 16,0 0 0,0-25-16,0 24 15,0-24-15,0 0 16,0 25 0,25-25-16,-25 0 0,25-25 93,0 0-77,0 0 0,74 0-16,-74 0 15,50 0-15,0 0 16,-25 0-16,-1 0 15,26 0-15,50 0 16,49 0 0,0 0-16,0 0 0,1 0 15,24 0-15,-25 0 16,26 0-16,-76 0 16,1 0-16,24 0 15,-74 0 1,-1 0-16,1 0 15,-25 0-15,25 0 16,-26 0-16,1 0 16,-25 0-16,50 0 15,-50 0-15,0 0 16,0 0-16,24 0 16,1 0-16,0 0 15,-25 0-15,50 0 16,-51 0-16,51 0 15,-25 0-15,0 0 16,49 0-16,1 0 16,0 0-16,-26 0 15,1 25 1,0-25-16,-50 0 78,-25-25-62,0-25-16,0-25 15</inkml:trace>
-  <inkml:trace contextRef="#ctx0" brushRef="#br0" timeOffset="101875.08">9338 12427 0,'0'-25'47,"50"25"-31,0 0-16,0 0 15,24 0 1,1 0-16,0 0 15,-25 0-15,24 0 16,-24 0-16,-25 0 16,25 0 62,-50 25-63,25 49-15,-25-49 16,25 25-16,-25 0 16,0 49-16,0-24 15,0 0 1,0 24-16,0-24 16,0-25-16,24 74 15,-24-74-15,0 25 16,50 49-16,-50-49 15,0 25-15,25-26 16,0-49-16,-25 75 16,0 0-16,0-51 15,0 1-15,0 0 16,0 25-16,25-1 16,-25-24-16,0 25 15,0-25-15,0-1 16,0 1-1,25 0-15,-25-25 16,0 0 0,25 0-16,-100-25 125,0 0-110,-24-25-15</inkml:trace>
-  <inkml:trace contextRef="#ctx0" brushRef="#br0" timeOffset="102532.86">6873 13423 0,'-25'0'16,"25"24"-1,0 1 1,0 50-16,0 0 16,0-25-16,0-1 15,0 1-15,0-25 16,0 0-16,0 0 16,25 25-16,-25-25 15,25-25 1,-25 25-16</inkml:trace>
-  <inkml:trace contextRef="#ctx0" brushRef="#br0" timeOffset="102964.22">6599 13323 0,'50'0'31,"-25"0"-16,49 0-15,-49 0 16,25 0-16,25 0 16,0 0-16,-26 0 15,-24 0-15,0 0 16,0 0-16</inkml:trace>
-  <inkml:trace contextRef="#ctx0" brushRef="#br0" timeOffset="103400.97">7371 13273 0,'25'0'31,"0"25"-15,0 25-16,0 0 16,-25-1-1,24 26-15,-24-25 16,0 0-16,25-25 16,-25 0-1</inkml:trace>
-  <inkml:trace contextRef="#ctx0" brushRef="#br0" timeOffset="103704.73">7371 13049 0</inkml:trace>
-  <inkml:trace contextRef="#ctx0" brushRef="#br0" timeOffset="104486.73">8392 13223 0,'0'25'31,"-25"0"-15,25 0-16,-50 25 16,0 0-16,1-25 15,-1-1-15,25 26 16,0-25-16,0-25 16,0 25-16,0 0 15,-24 0 1,49 0-1,0 0 17,0 0-17,0 0 17,0-1-17,0 1-15,74-25 16,-49 0-1,25 25-15,-25-25 16,25 0-16,-1 25 16,1 0-16,25-25 15,-50 25-15,0-25 16,25 25-16,-50-50 109</inkml:trace>
-  <inkml:trace contextRef="#ctx0" brushRef="#br0" timeOffset="105025.42">7844 13223 0,'0'25'31,"0"0"-31,0 0 16,0 25-16,0 0 16,0-1-16,0 26 15,0 0-15,0-25 16,0 0-16,0 24 16,0-24-1,0 0-15,0 0 0,0-25 16</inkml:trace>
-  <inkml:trace contextRef="#ctx0" brushRef="#br0" timeOffset="105556.9">8790 13373 0,'0'25'16,"0"0"-16,0 24 0,0 1 15,0 0-15,0 25 16,0-50-16,0 0 15,0-1 1,25 1-16,-25 25 16,25 0 15,-25-25 0</inkml:trace>
-  <inkml:trace contextRef="#ctx0" brushRef="#br0" timeOffset="105999.29">8691 13124 0,'25'0'16</inkml:trace>
-  <inkml:trace contextRef="#ctx0" brushRef="#br0" timeOffset="106857.31">10484 13099 0,'0'-25'47,"50"-25"-15,-1 0-32,51-74 15,24 49-15,-24-24 0,-75 74 16,99-50-16,-24 25 15,49-25 1,1 1-16,-1 24 16,1-50-16,-26 75 15,26-24-15,-51 24 16,51 25-16,-76 0 16,1 0-16,-50 0 15,0 0-15,0 0 16</inkml:trace>
-  <inkml:trace contextRef="#ctx0" brushRef="#br0" timeOffset="107876.93">10608 12476 0,'0'25'47,"0"0"-31,0 0-16,-25 25 16,25-25-16,0 74 15,0-49 1,-49 0-16,49 0 15,-25 0-15,25-26 16,0 51-16,-25-50 16,75-25 140</inkml:trace>
-  <inkml:trace contextRef="#ctx0" brushRef="#br0" timeOffset="109295.02">10658 13174 0,'50'0'31,"0"0"-15,24 0-16,51 74 15,-26-49-15,-24 0 16,-25-25-16,0 0 16,-25 0-16,24 0 15,26 25-15,-50-25 32</inkml:trace>
-  <inkml:trace contextRef="#ctx0" brushRef="#br0" timeOffset="110170.83">13098 11555 0,'0'75'63,"0"-1"-63,0-49 15,0 100-15,0-100 16,0 49-16,0-49 16,25 50-16,25 0 15,-50-26-15,25-24 16,-25 0-16,25 25 16,0-25-16,-25-75 140</inkml:trace>
-  <inkml:trace contextRef="#ctx0" brushRef="#br0" timeOffset="110911.73">13074 11605 0,'0'-25'47,"24"25"-32,51 0 1,-50 0-16,25 0 15,49 0-15,-74 0 16,0 0-16,0 0 47,-25 25-31,0 0-1,-25 0-15,25-1 16,-25-24-16,25 25 15,0 0 1,0 0 47,0 0-32,0 0-16,0 25 1,25-50 0,-25 25-16,0 0 15,0-1-15,0 1 16,0 0 0,0 25-1,-25-25-15,0 0 16,1 0-16,-1-25 15,0 25-15,0-25 0</inkml:trace>
-  <inkml:trace contextRef="#ctx0" brushRef="#br0" timeOffset="111392.9">13721 11206 0,'25'50'47,"0"-25"-47,0 25 16,24 25-16,-24 24 15,0-74-15,25 75 16,0-26 0,-25 26-16,25-25 0,-50-50 15,25 24 1,-25 1-16,24-50 0,-24 25 15</inkml:trace>
-  <inkml:trace contextRef="#ctx0" brushRef="#br0" timeOffset="112072.93">13771 11231 0,'25'0'47,"0"-25"-47,74 0 16,-49 25-16,0-24 15,0 24-15,24-25 16,-24 25-16,-25 0 16</inkml:trace>
-  <inkml:trace contextRef="#ctx0" brushRef="#br0" timeOffset="112758.38">14020 11655 0,'0'-25'46,"50"0"-14,-1 0-17,-24 0-15,25 0 16,-25 0-16,25 0 16,-25 0-16,0 25 15,-25-25-15</inkml:trace>
-  <inkml:trace contextRef="#ctx0" brushRef="#br0" timeOffset="113429.4">14194 12053 0,'0'25'78,"75"-25"-78,24 0 15,1 0-15,-25 0 16,49-25-16,51 0 16,-1 0-1,50 0-15,-50 0 16,26-24-16,-51 49 15,-49-25-15,-76 25 16</inkml:trace>
-  <inkml:trace contextRef="#ctx0" brushRef="#br0" timeOffset="114468.88">14169 11530 0,'25'0'32,"0"0"-32,0 0 15,0 0-15,25 0 0,-25 0 16,49 0-1,1 0-15,-25 0 16,-25 0-16,24 0 16,1 0-16,0 0 15,-25 0-15,0-25 16,0 25-16,0 0 16,-25-25-1</inkml:trace>
-  <inkml:trace contextRef="#ctx0" brushRef="#br0" timeOffset="115184.65">14095 11181 0,'49'0'79,"-24"0"-79,50 0 15,-50 0-15,25 0 16,-1-49-16,1 49 15,25 0-15,-50 0 16,0 0-16,0 0 16,-25-25-16</inkml:trace>
-  <inkml:trace contextRef="#ctx0" brushRef="#br0" timeOffset="117344.11">13198 11530 0,'25'0'63,"0"0"-48,25 0-15,-1 0 16,1 0 0,-25 0-16,0 0 15,0 0-15,25 0 0,-25 0 16,0 0-1,-25 25 32,0 0 0,0 0-47,0 0 16,0 0-1,0-1-15,0 1 16,-50 0 0,25 0-16,0 0 15,0-25-15,-25 25 0,25-25 16,0 0 0,-24 25-16,24-25 15,0 0 16,0 0-15,0 25-16,0-25 78,50 0 94,25 0-172,0 0 16,-25 0-16,24 0 15,1 0-15,-25 0 16,0 0-16,25 0 16,-25 0 15,0 0 16,-25 25-16,0 0 47,0 24-62,0-24-1,0 0-15,-25-25 32,0 0-32,0 25 0,0 0 15,0-25-15,0 25 16,0 0-16,0-25 15,0 0 1,1 0 15,-1 0-31,0 0 32,0 0 30,0 0-31,0 0-15,0 0 15</inkml:trace>
-  <inkml:trace contextRef="#ctx0" brushRef="#br0" timeOffset="128081.67">3013 7521 0,'-50'0'63,"25"0"-48,1 0 1,24 25 0,0 0-16,-25 0 0,25 24 15,-25 1 1,25-25-16,0 25 15,-25-25 1,25 49-16,0-24 16,0 25-16,0-25 15,0 24-15,0-24 16,0 0-16,0-25 16,0 25-16,0-25 15,0 49-15,0 1 16,0-50-16,0 50 15,0 24-15,25-49 16,-25 25 0,74 24-16,-74-24 0,75-25 15,-25 50-15,-50-51 16,50 26-16,-50-25 16,0 25-1,25-26-15,-25 1 16,0 0-16,49 25 15,-49-1-15,50 1 16,-25-25-16,0 25 16,0-50-16,-25-1 15,25 26-15,0 0 16,-25-25-16,25 25 16,0 0-1,-25-26 1,24 1-16,-24 25 15,25-25-15,25 25 16,-25 0-16,-25-1 16,50 1-1,-25 25-15,-25-50 16,50 25-16,-26-1 16,-24-24-16,25 50 0,50-25 15,-50 0-15,0-25 16,0 24-1,0 26-15,0-25 16,0-25-16,24 25 16,1-25-16,-25 24 15,-25-24-15,50 25 16,0 0-16,-25-25 16,-25 0-16,49 24 15,-24-49-15,25 75 16,-25-50-16,-25 0 15,25-25 1,-25 25-16,50 0 0,-25 0 16,-25 0-1,49-1 1,-24 1 31,25 25-47,-25-25 15,0 0 1,0 0-16,0-25 16,0 25-16,-1 0 15,1-25-15,25 25 16,0-1 0,-50 1-1,50 0-15,-25-25 16,-25 25-16,25-25 15,24 25-15,-24-25 16,0 25 0,25 0-16,-25-25 15,25 50-15,0-50 0,-26 25 16,51-1-16,-50-24 16,0 50-16,25-50 15,24 0 1,-49 0-16,0 0 15,0 0-15,0 25 16,25-25-16,-25 0 16,0 0-16,0 0 15,-1 0-15,1 0 16</inkml:trace>
-  <inkml:trace contextRef="#ctx0" brushRef="#br0" timeOffset="129590.31">5229 12476 0,'25'0'94,"0"0"-78,0 0 15,0 0-31,0 0 0,0 0 16,0-25-1,0 25-15,0-24 16,-1 24 0,1 0-16,0 0 31,0 0-16,0 0 1,0 0-16,0 0 16,0 0-1,0 0 48,0 0-32,-25-25-15,24 25-1,1 0 1,0 0-16,0 0 47,0-25-32,-25 0 204,0 0-203,-25 0-1,25 0 1,0-25-16,0 25 16,0 0-16,-50-24 15,50-1-15,-25 25 16,25-25-16,0 25 16,0-25-16</inkml:trace>
-  <inkml:trace contextRef="#ctx0" brushRef="#br0" timeOffset="132228.28">548 11879 0,'25'0'15,"-25"-25"1,0 0-1,0 0-15,0 0 16,0-25-16,0-24 16,0 49-1,0-25-15,0 0 0,0 25 16,0 0-16,0-49 16,0 49-1,0 0 1,0 0 62,-25 25-78,0 0 16,0 0 30,25 25-30,-25-25-16,25 25 16,0 0-16,0-1 31,0 1-31,0 0 16,75-25-1,-50 0-15,25 0 0,24 0 16,-49 0-1,25 0 1,-25 0-16,25 0 16,-1 0-16,-24 0 15,0 25 1,-25 0 15,0 0-31,0 0 16,0 0-16,0 0 15,0 0-15,0-1 16,0 1-16,0 0 16,0 0-1,0 0 1,50-25 46,-25 0-62,0 0 32</inkml:trace>
-  <inkml:trace contextRef="#ctx0" brushRef="#br0" timeOffset="132981.44">1071 11655 0,'25'-25'47,"0"0"-47,-25 0 16,24 0-16,-24 0 16,25 25-16,-25-25 15,0 0 1,25 0-16,-25 0 31,0 1 32,0-1-32,-25 25-16,0 0 17,1 0-32,24 25 15,0-1-15,0 1 16,0 25-16,0-25 16,0 0-1,0 25-15,0-25 16,0 0-16,24-1 15,-24 1-15,25 0 32,0-25-32,0 25 0,0-25 15,0 0 1,0 0 0,0 0-16,0 0 15,0 0 1,0 0-16,-1 0 15,1 0-15,-25-25 16,25 25 0</inkml:trace>
-  <inkml:trace contextRef="#ctx0" brushRef="#br0" timeOffset="133869.24">1594 11306 0,'-25'0'16,"50"0"-16,-75 0 0,0 0 15,25 25-15,-25 25 16,26-25-16,-26 24 15,50-24 1,0 0 0,0 0-1,0 0-15,0 0 32,0 0-17,25-25 1,0 0-16,-1 0 15,1 0-15,0 0 16,25 0-16,-25 0 16,0-50-16,-25 25 15,25 25 1,-25-25-16,0 0 16,0 0-1,0 0 1,0 1-1,0 73 64,0-24-79,0 0 15,50 25-15,-50 0 0,0-25 16,0 74-1,24-49-15,-24 25 16,25-1-16,0 1 16,0 0-16,-25-25 15,25-1-15,-25 1 16,50 50-16,-50-75 16,25 0-1,-25-50 48,0 0-48</inkml:trace>
-  <inkml:trace contextRef="#ctx0" brushRef="#br0" timeOffset="134679.4">1893 11430 0,'0'50'47,"24"0"-47,1 0 15,0-25-15,0 25 16,-25-26-16,25 1 31,0-25 0,25 0-15,0 0 0,-26 0-16,1-49 31,-25-1-31,25 0 16,0-25-16,-25 25 15,0 1-15,25 24 16,-25 75 78,25 24-94,0-49 15,-25 25-15,25-25 16,-25 0-16,0 0 15,0 0 1,25-1 0</inkml:trace>
-  <inkml:trace contextRef="#ctx0" brushRef="#br0" timeOffset="135407.26">2440 11455 0,'25'0'78,"25"0"-62,-25-25-16,50-24 15,-50 24-15,24-25 16,-24 25-16,0-25 16,-25 25 62,-25 25-63,-49 0 1,49 0 0,0 0-16,0 0 15,0 0-15,25 25 16,-50 25-16,50 25 15,0-25-15,0-1 16,0-24-16,0 0 78,0 0-62,25-25-16,0 0 15,25 0-15,-25 0 63,0 0-63,-25-25 16,0 0-1</inkml:trace>
-  <inkml:trace contextRef="#ctx0" brushRef="#br0" timeOffset="136072.06">2914 11082 0,'0'-25'78,"-25"25"-46,-25 50-32,25-25 15,25 0-15,0 24 16,-25-49-16,25 50 47,75-50-47,-50 0 15,0 0 1,24 25-16,-24 0 16,0-25-16,0 25 15,0 0-15,0 0 32,-25 0-17,0-1 1,0 1-16,0 25 15,0 0-15,0 0 16,0 0-16,-25-26 16,0-48 62,0-1-78,25 0 0,0-50 15</inkml:trace>
-  <inkml:trace contextRef="#ctx0" brushRef="#br0" timeOffset="136630.4">3436 10932 0,'0'50'15,"0"0"-15,0 50 16,25-1-16,25 1 16,-50-75-16,50 49 15,-50-49 1,0 0 0,0 0-16,25 25 0,-75-50 109</inkml:trace>
-  <inkml:trace contextRef="#ctx0" brushRef="#br0" timeOffset="137024.2">3237 11281 0,'100'-25'31,"-75"25"-31,0 0 16,24 0-16,1 0 16,0 0-16,-25 0 15,0 0-15,0 0 16</inkml:trace>
-  <inkml:trace contextRef="#ctx0" brushRef="#br0" timeOffset="150244.2">9089 11978 0,'0'-25'204,"0"0"-189,0 1 1,0-1-1,0 0 17,0 0 15,0 0-16,0 0 0,0 0-15,0 0-1,0 0 1,0 0-16,0 1 16,0-1-1,0 0 1,-25-25-1,25 25 64,0 0-64,-25 25 48,1-25-48,24 0 17,0 0-17,-25 1 32,25-1-16,-25 0 1,25 0 14,0 0-14,-25 0-1,25 0-31,-25 25 62,25-25-62,0 0 16,-25 0 0,25 1-1,-25-1 1,25 0 0,-25 25-16,0-25 15,0 0 32,0 0-16,25 0-15,-24 0 0,24 0 15,-25 0 31,0 0 1,25 1-16,0-1 0,-25 25-47,25-25 31,-25 0 0,0 25-15,25-25 46,-25 0-46,25 0-1,-25 25 1,25-25 0,-25 25-16,25-25 140,-25 25-93,25-25 188,-24 1-220,-1-1 16,0-25 48,0 50-48,-25-50 0</inkml:trace>
-  <inkml:trace contextRef="#ctx0" brushRef="#br0" timeOffset="151056.94">8292 10783 0,'0'-25'62,"0"0"-46,0 0-16,0 0 15,0 0-15,0 1 16,0-1-16,0 0 16,0 0-1,0 0-15,0 0 16,0 0 0,0 0-1,0 0 16,50 25 63,0 0-94,0 0 16,0 0-16,-26 0 15,26 0-15,-25 0 16,0 0-16,0 0 16,0 0-1</inkml:trace>
-  <inkml:trace contextRef="#ctx0" brushRef="#br0" timeOffset="152550.99">7794 9513 0,'0'-25'16,"-25"25"15,1 0 0,-1 0 16,0 25 203,0 0-219,0-25 1,25 25-17,0 0 1,-25 0-16,25-1 16,0 1-1,0 0 1,0 0 15,0 0-15,25-25-16,0 0 15,25 0-15,-1 0 16,1 0 0,-25 0-16,25 0 15,-25 0-15,0 0 16,-25 25 62,0 0-62,-25-25-16,0 50 15,25-25 1,-50-25-16,25 0 15,-25 0 17,26 0-17,-1 0-15,0 0 16</inkml:trace>
-  <inkml:trace contextRef="#ctx0" brushRef="#br0" timeOffset="153634.25">8068 9015 0,'25'50'15,"0"24"-15,-25 26 16,0 0-16,0-26 16,25 26-16,-25-25 15,0-26-15,25 1 16,-25 25-16,0-25 16,0-25-16,0 25 15,0-26 1,0-73 93,0-1-109,0-25 0,0 25 16,0 0-1,25 26-15,0-1 16,24-25 0,-49 25-16,25 25 31,0 0 16,0 25-32,-25 0-15,0 25 16,0-26 0,25 1-16,-25 0 0,25 0 15,-25 0-15,25 0 32,0-25 14,0 0-30,0 0 0,-1 0-1,-24-50 1</inkml:trace>
-  <inkml:trace contextRef="#ctx0" brushRef="#br0" timeOffset="154079.14">8566 9488 0,'25'0'32,"0"0"-17,-25 50-15,25 0 16,25-25-16,-50 24 16,25 26-16,24 0 15,-49-50-15,50 99 16,-50-74-16,75 25 15,-75-25-15,25-26 16,-25 1-16,0-50 109</inkml:trace>
-  <inkml:trace contextRef="#ctx0" brushRef="#br0" timeOffset="154616.84">8865 9513 0,'0'25'31,"0"25"-31,25-1 16,-25-24-16,50 50 16,0 0-16,-25 0 15,-25-26-15,0-24 16,24 25-16,-24 0 16,0 0-1,0-25-15,0-1 0,0 1 16,0 0-1,-24-50 142,-1 0-142,25 1-15</inkml:trace>
-  <inkml:trace contextRef="#ctx0" brushRef="#br0" timeOffset="155106.31">8890 9538 0,'0'-25'16,"0"0"-1,0 0 1,25 25 0,25 0-16,-25 0 15,0 0 63,-25 25-62,0 25 0,0 0-16,0-25 0,-75 24 15,25 1 1,25-25-1,0-25-15,0 0 16</inkml:trace>
-  <inkml:trace contextRef="#ctx0" brushRef="#br0" timeOffset="155937.51">9239 9314 0,'25'50'16,"-25"-26"-16,0 26 16,0 0-16,0 0 15,0 25 1,0 24-16,24-49 0,1 75 16,-25-26-16,0-24 15,25 0-15,-25-26 16,0-24-16,25 0 15,-25-50 64,0-49-64,0 49-15,0-50 16,0 0-16,0 25 15,0 26-15,0-76 16,0 0-16,0 50 16,0 1-16,0-1 15,25 25-15,-25 0 16,0 0-16,0 0 31,25 25 0,25 0 16,-25 0-31,-25 25 0,0 0-1,0 0-15,0 0 0,0 0 16,0 25-1,-25 24-15,0-49 16,0 0 0,0 0-16</inkml:trace>
-  <inkml:trace contextRef="#ctx0" brushRef="#br0" timeOffset="157033.01">9438 9787 0,'50'0'31,"-25"-25"-31,-1 0 32,26 0-32,-25-25 15,0 25 1,0-24-16,0 24 15,-25 0 1,0 0 0,0 0-16,0 0 31,0 0-15,-50 25 15,25 0-16,0 0 1,25 25 0,0 25-1,0-25-15,0 0 0,0 0 16,25 0 0,0-1-16,-25 1 15,25-25 1,0 25-1,0-25-15,0 0 16,0 0 15,-1 0-31,1 0 16,-25-25-16,25-24 16,-25 24-16,25-50 15,25 25-15,-25 25 16,0-49-16,0 49 15,0 0-15,-1 0 16,1 50 62,-25 25-78,25-1 31,0 1-31,25 0 16,-50-25-16,25 0 16,0 0-1,0-25 17,0 0 14,0 0-46,-1-25 16,-24-25 0,0 25-16,0-25 15,25 0-15,25 1 16,-25 24-16,0-25 16,0 25-1,0-25-15,0 25 16</inkml:trace>
-  <inkml:trace contextRef="#ctx0" brushRef="#br0" timeOffset="161494.94">7620 9139 0,'-25'0'47,"0"0"-32,0 0 17,0 0-17,0-24 1,-24-26-1,49 25-15,-25 0 16,0-25 0,0 25-1,0 0 1,0 0 46,0-24-46,0 24 15,25 0-31,-25 0 16,25 0 0,-24 0-16,-1 0 0,25 0 15,-25 0 1,0 1-1,25-1-15,-25 0 16,0 0-16,-25-25 16,50 25-1,-50 0-15,26-50 16,-1 26 0,-25 24-16,25-25 15,-25 0 1,25 25-16,25-25 15,0 1-15,-50-1 0,50 25 16,-24 0-16,-1-25 16,25 25-1,-25 25 1,25-25-16,-25 1 16,0 24-1,0-25 1,25 0-1,-25 25 1,0 0 0,25-25-1,-25 25-15,0-25 16,1 25-16,-1-50 16,0 50-16,-25-25 15,25 0-15,0 25 16,0-25-16,-74-24 31,49 49-15,0-50-16,0 25 15,-25 0-15,26-50 16,-51 26-16,25 49 16,50-50-16,1 25 15,-1 25-15,25-25 16,-25 25-1,0 0 64,0-25-48,0 25-31,0-25 15,25 0-15,-25 25 16,0 0 0,0-25-1,1 25-15,24-25 16,-50 25-16,25 0 16,-25-25-16,25 25 15,0-24 1,0 24-16,0 0 15,1-25-15,-1 25 16,0-25-16,0 25 16,0 0-1,-25-50-15,25 50 16,0-25-16,-25 25 16,1 0-16,24-25 15,-25-25 1,0 50-1,25-25-15,-25 25 16,26-24 0,-1 24-16,0 0 15,0-25 1,0 25-16,-25-25 16,25 0-1,0 25 1,0-25 15,1 25-15,-1 0-1,0 0-15,0-25 16,0 25-16,0 0 47,0-25-32,0 25 32</inkml:trace>
-  <inkml:trace contextRef="#ctx0" brushRef="#br0" timeOffset="162943.44">4383 7122 0,'-25'-25'79,"25"1"-64,0-1-15,-25 0 16,25-25-16,-25 25 15,0-25-15,25 25 16,-25 0-16,0 1 16,25-1-1,-25-50 1,1 50 0,24 0 62,-50 0-63,75 0 157,0 25-172,-1 0 16,51-25-16,-50 1 15,75 24-15,-26-50 16,-24 25-16,50 25 16,-26-25-16,26 25 15,-25-25-15,-1 25 16,-49-25 0,25 25-16</inkml:trace>
-  <inkml:trace contextRef="#ctx0" brushRef="#br0" timeOffset="166737.96">9338 8915 0,'25'0'78,"-25"-25"-47,50-24-31,25-1 16,-50 0 0,-1 0-16,1 25 0,0-24 15,25 24 1,-25 0-16,25-25 15,0 0-15,-26 25 16,1 25-16,25-25 16,-25 0-16,25 0 15,0 1-15,-1 24 16,-24-50-16,25 50 16,0-25-16</inkml:trace>
-  <inkml:trace contextRef="#ctx0" brushRef="#br0" timeOffset="167826.34">9338 8417 0,'0'25'31,"0"0"-15,-25 0-1,25 0 1,0 0-16,0 0 16,0 0-1,0 0-15,0 24 16,0 1-16,-25-25 15,25 0-15,0 25 16,-24 0 0,-1-50-16,25 24 15,0 1 173,25-25-157,-1 0-31,1 0 16,0 0-16,50 0 15,-50 0-15,25 0 16,24 0-16,-49 0 16,75 0-1,-75 0-15,0 0 0,0 0 16,-1 0-16,1 0 15,0 0-15,0 0 16,0 0-16,0 0 31</inkml:trace>
-  <inkml:trace contextRef="#ctx0" brushRef="#br0" timeOffset="168528.27">10633 7247 0,'-25'0'31,"25"25"-31,0 50 15,0-26-15,0 1 16,0-25-16,0 25 16,0 49-16,0-24 15,0-25-15,0 50 16,0-51-16,0 1 16,0-25-16,0 25 15,0-25 1,-25-25 62</inkml:trace>
-  <inkml:trace contextRef="#ctx0" brushRef="#br0" timeOffset="169111.31">10708 7147 0,'25'0'15,"0"0"1,0 0-16,24 25 16,-24 25-16,0-25 15,25 25-15,0 0 16,0 24-16,-1-24 16,1 25-1,-25-50-15,0 0 0,0-1 16,0 1-16,-25 0 15,25-25-15,0 25 32,-1 0-17</inkml:trace>
-  <inkml:trace contextRef="#ctx0" brushRef="#br0" timeOffset="169592.3">10758 7620 0,'0'-24'46,"0"-1"-14,49 25-32,1-25 15,25 0 1,-50 25-16,0 0 16,0 0-1</inkml:trace>
-  <inkml:trace contextRef="#ctx0" brushRef="#br0" timeOffset="170100.61">11206 7097 0,'50'0'47,"-1"25"-47,-24 25 15,50 50-15,-25-25 16,-25-26-16,0-24 15,-25 50 1,25-25-16,0-25 16,-25 74-16,24-49 15,-24-25-15,0 0 16,25 0-16,-25 0 16,25-25-1</inkml:trace>
-  <inkml:trace contextRef="#ctx0" brushRef="#br0" timeOffset="170711.74">11281 7197 0,'-25'-25'31,"25"0"-31,25-25 16,24 26-1,1-26-15,0 25 16,-25 0-1,0 25-15,0 0 16,0-25-16,0 25 16,49 0 15,-49 0-15,0 0-1,0 25 1,-25 0-16,25 0 15,-25 0-15,0 0 16,0 24 0,0-24-16,0 0 15,0 0-15,-25 25 16,0-25 0,0 0-16</inkml:trace>
-  <inkml:trace contextRef="#ctx0" brushRef="#br0" timeOffset="171312.02">12053 6873 0,'49'0'32,"-24"0"-17,50 75 1,-50-25-16,50 0 16,-1 24-16,-24 26 15,0-75-15,0 75 0,-25-76 16,-1 26-16,26 50 15,-25-75 1,0 25 0</inkml:trace>
-  <inkml:trace contextRef="#ctx0" brushRef="#br0" timeOffset="171756.73">11978 6898 0,'0'-25'32,"25"25"-17,0-49-15,74 24 0,-74 25 16,50-50 0,-50 50-16,25-75 0,-26 75 15,26-25-15,0 25 16,-25-25-1</inkml:trace>
-  <inkml:trace contextRef="#ctx0" brushRef="#br0" timeOffset="172525.72">12426 7745 0,'0'0'16,"25"0"125,0 0-141,25 0 15,-25-25 1,49 25-16,-24-50 16,0 25-16,25 0 15,-1 1-15,-24 24 16,0-25-16,-25 25 0,0 0 15</inkml:trace>
-  <inkml:trace contextRef="#ctx0" brushRef="#br0" timeOffset="205008.06">6724 7347 0,'-25'0'93,"0"-25"-77,25 0 0,-50-50-1,50 25 1,-25 25 0,0 0-16,25-24 15,-25 49-15,25-25 16,0 0-1,-25 0 17,0 25 15,1 0-32,-1 0 1,0 0-1,0 0 32,25 25-15,0 0-17,0 0 16,25-25 1,0 0-17,24 0-15,-24 0 16,25 0-16,-25 0 16,0 0-1,0 0-15,0 0 16,0 0-1,0 0 1,-1 0 0,1 0-1,0 0 1,50 0 0,-50 0-1,0 0 16,0 0-15,0 24 0,-25 1-1,0 0 17,0 0-17,0 0-15,0 0 16,0 0-16,24 0 62</inkml:trace>
-  <inkml:trace contextRef="#ctx0" brushRef="#br0" timeOffset="205730.04">7172 6998 0,'25'0'16,"0"0"15,-1 0-31,26 0 15,-25-25-15,-25 0 16,25-25 0,0 0-16,-25 1 31,0 24-31,0 0 16,0 0 30,-25 75 33,0-25-64,25 0-15,0 24 16,0-24-16,0 25 15,0 0 1,0-25-16,0 49 16,0-49-16,0 0 0,25-25 15,-25 25 1,50 0 0,-25-25-1,0 0 1,0 0-1,-1 0 17</inkml:trace>
-  <inkml:trace contextRef="#ctx0" brushRef="#br0" timeOffset="206503.03">7794 6699 0,'0'-50'31,"-25"50"63,1 50-94,-51-25 16,50 0-16,25 0 15,0 0-15,0 0 16,-25-1-16,25 1 15,0 0 1,0 0 0,0 0-16,50 0 31,49-25-31,-24 50 16,-25-50 15,-25 50-16,-25-1 64,-25-49-79,0 25 15,25 0-15,-25-25 16,0 0-1,0 0 17,0 0-17</inkml:trace>
-  <inkml:trace contextRef="#ctx0" brushRef="#br0" timeOffset="207142.77">8143 6749 0,'0'99'47,"25"-49"-47,-25 50 16,0-1-16,0-49 15,0 50-15,0-25 16,0-26-16,0 1 16,0-25-16,0 25 15,0 0-15,25 0 16,-25-26 0,0-48 109</inkml:trace>
-  <inkml:trace contextRef="#ctx0" brushRef="#br0" timeOffset="207649.5">8267 6774 0,'50'0'15,"-25"0"-15,0 0 16,0 0-1,25 25 1,-25 0-16,-25 24 16,25 1 15,-25-25-31,0 0 16,0 25-1,0 0 1,0-26-16,-75 26 15,25 0 1,25-25 0,0 25-16,0-50 15,0 0-15,1 0 16</inkml:trace>
-  <inkml:trace contextRef="#ctx0" brushRef="#br0" timeOffset="208448.09">8990 6873 0,'-100'0'31,"75"0"-15,0 0-16,0 0 15,-25 0-15,26 0 16,-1 0-1,25 25-15,0 0 32,0 0-32,0 0 15,0 0-15,0 50 32,25-51-17,-1-24 1,1 0-1,25 0-15,-25 0 0,25 0 16,0 0 0,0 0-16,-26 0 15,1 0-15,25 0 16,-50-24-16,0-1 16,0 0-16,0 0 31,0 0-16,0 0-15</inkml:trace>
-  <inkml:trace contextRef="#ctx0" brushRef="#br0" timeOffset="209320.54">9114 6824 0,'25'0'0,"-25"24"16,25-24-16,25 50 15,-50-25-15,25 25 16,-25-25-16,0 25 16,0-25-1,0-1 1,0 1-16,0 0 16,0-99 93,0 24-109,0 0 16,0 0-16,0 0 15,0-24-15,0 49 16,0-25-16,0 25 15,25-25 1,-1 50 78,1 0-94,0 0 15,0 25 1,-25 0 15,0 0-31,50 75 16,-50-26 0,25-24-16,0-25 15,-25 0 95,25 0-95,0-25 16</inkml:trace>
-  <inkml:trace contextRef="#ctx0" brushRef="#br0" timeOffset="210663.01">9861 6575 0,'0'-25'16,"-25"25"0,0 0-16,0 0 15,1 0-15,-1 0 16,0 0-16,-25 25 16,50-1 30,0 1-14,0 25-17,25-50-15,25 25 16,-25-25 15,-1 0-15,-24 25-1,25-25-15,0 0 16,-25 25 0,0 0-16,0 0 15,0 24 1,0-24 0,0 0-16,0 0 15,-25 0 1,-24 25-16,24-25 15,25 0-15,-25-25 79,0-25-64,25 0-15,0-25 0,0 25 16,0 0-1,0 0-15,25 0 16,0 1 0,-25-1-16,25 25 15,-1 0-15,1-25 16,25 25 0,0 0-16,-25 0 15,0 0 1,0 0-16,24 0 15,1-25 1,-25 25-16,0 0 16,0 0-16,0-25 0,25 0 15,-25 25-15,49-25 16,-74 0-16,25 0 31,-25 0 0,0 1 16,-74 24-47,49 0 16,0 0 0,0 0-16,0 0 15,0 0 1,0 0 15,25 24-15,0 26-1,0 0-15,0 0 16,25-25-16,0 25 16,0-50-16,0 24 15,0-24 1,24 0-1,-24 0 1,0 0 0,0 0-1,0 0 1,-25-24 0</inkml:trace>
+  <inkml:trace contextRef="#ctx0" brushRef="#br0">1 120,'0'1508,"2"-1460,14 79,-7-75,1 56,-9 496,-3-287,4-278,2 1,12 51,0-4,26 134,-39-209,0-1,1 0,0 0,0 0,2-1,-1 1,1-1,1 0,0-1,15 17,-17-21,0-1,1 1,0-1,0 0,0 0,1-1,-1 0,1 0,0 0,0-1,0 0,0-1,0 1,0-1,0-1,0 1,1-1,11-1,2-3,-1 0,1-2,37-14,-36 12,-1 0,1 2,26-5,-42 11,1-1,-1 0,0 0,0-1,0 0,-1 0,1 0,0-1,-1 1,1-1,-1-1,5-3,-7 3,0 1,0-1,0-1,0 1,-1 0,0 0,0-1,0 0,0 1,-1-1,0 0,0 0,0 1,0-1,-1-9,-1-238,-3 93,4 110,3 0,2 1,2-1,25-87,-22 101,-3-1,-1-1,3-62,-11-114,-1 80,3-1630,-2 1734,-1 0,-2 0,-7-29,-4-22,16 77,-1-1,1 1,-1-1,1 1,-1-1,0 1,0 0,-1-1,1 1,-1 0,1 0,-1 0,0 0,0 0,-1 1,1-1,0 1,-1-1,0 1,1 0,-1 0,0 0,0 0,0 0,0 1,-1-1,1 1,0 0,-1 0,1 0,0 1,-1-1,1 1,-1 0,1 0,-6 0,-12 3,1 1,-1 1,1 0,0 2,-23 10,-17 5,21-13,1-3,-1-1,0-2,-64-3,70-1</inkml:trace>
 </inkml:ink>
 </file>
 
@@ -242,7 +167,7 @@
           <inkml:channelProperty channel="Y" name="resolution" value="1000" units="1/cm"/>
         </inkml:channelProperties>
       </inkml:inkSource>
-      <inkml:timestamp xml:id="ts0" timeString="2021-09-10T04:46:00.585"/>
+      <inkml:timestamp xml:id="ts0" timeString="2021-09-10T04:46:05.077"/>
     </inkml:context>
     <inkml:brush xml:id="br0">
       <inkml:brushProperty name="width" value="0.1" units="cm"/>
@@ -251,38 +176,11 @@
       <inkml:brushProperty name="ignorePressure" value="1"/>
     </inkml:brush>
   </inkml:definitions>
-  <inkml:trace contextRef="#ctx0" brushRef="#br0">77 144,'-1'11,"0"1,-1-1,-1 1,1-1,-6 12,-9 43,10 89,6-96,-9 68,-7 39,10 320,9-266,-2 966,3-1145,1-1,11 52,0-10,-14-75,0-1,0 1,1 0,0 0,0-1,1 0,-1 1,1-1,1 0,-1 0,1 0,0-1,1 1,-1-1,1 0,0 0,0-1,1 0,7 5,-2-3,0-1,0-1,1 0,-1 0,1-1,0-1,0 0,0-1,0 0,16-1,12 0,2 1,69-8,-101 6,0-1,-1 0,1 0,-1-1,1 0,-1-1,0 0,0-1,0 1,-1-2,0 1,12-11,-11 6,-2 1,0-1,0-1,0 1,-2-1,1 0,-1 0,-1-1,3-12,5-22,5-48,-9 48,6-72,-5 1,-9-188,-3 120,3-1786,0 1940</inkml:trace>
+  <inkml:trace contextRef="#ctx0" brushRef="#br0">224 150,'461'-22,"-213"-16,-187 30,95-2,30-2,-50-10,-50 7,164-8,902 26,-1092 0,78 13,46 3,384-20,-526 4,0 1,47 11,-21-3,17 4,-39-7,80 6,571-12,-345-6,-282 1,-46 0,1 1,-1 1,1 1,0 1,35 8,-56-9,0 1,1 0,-1 0,0 1,0-1,-1 1,1 0,0 0,-1 0,0 1,1-1,-2 1,1-1,0 1,-1 0,1 0,-1 1,0-1,1 6,4 9,-2 1,0-1,1 25,-2-21,8 81,-2 149,0 6,4-95,17 166,-22-211,-8 133,3 47,5-231,23 95,-6-41,-13-66,3 0,2-2,30 62,-18-46,-23-51,-1 1,-1-1,0 1,-1 1,-2-1,0 0,-1 1,-1-1,-2 23,1-40,1 1,-1 0,0-1,0 1,-1-1,1 1,-1-1,1 1,-1-1,0 0,0 0,0 0,-1 0,1 0,-1-1,0 1,0-1,0 0,0 1,0-1,0 0,0-1,-1 1,1-1,-1 1,1-1,-1 0,0 0,-4 0,-12 2,-1-2,0 0,0 0,-24-4,8 0,-847-2,550 6,308-3,0-1,1-1,-1-1,-38-14,-32-6,-175-7,173 23,-145-5,-4 0,197 8,1-2,-94-27,106 23,-1 2,0 1,0 2,-1 2,1 2,-45 1,-1110 6,693-6,453 6,0 1,0 3,1 1,0 3,-54 20,-9 2,59-21,1-2,-2-2,1-3,-72 1,68-5,35 0,-1-1,1 0,-1-2,0 0,1-2,-35-7,51 8,0 0,0 0,0 0,1 0,-1 0,1 0,-1-1,1 1,0-1,-1 0,2 0,-1 0,0 0,0 0,1 0,0 0,-1 0,1-1,1 1,-1-1,0-5,-2-9,2-1,1-33,1 36,7-858,-10 802,-4 0,-23-115,-52-133,66 252,3 0,-4-85,5 42,0 11,-42-168,44 225,2 0,2-1,1 1,4-67,1 73</inkml:trace>
 </inkml:ink>
 </file>
 
 <file path=ppt/ink/ink100.xml><?xml version="1.0" encoding="utf-8"?>
-<inkml:ink xmlns:inkml="http://www.w3.org/2003/InkML">
-  <inkml:definitions>
-    <inkml:context xml:id="ctx0">
-      <inkml:inkSource xml:id="inkSrc0">
-        <inkml:traceFormat>
-          <inkml:channel name="X" type="integer" min="-2.14748E9" max="2.14748E9" units="cm"/>
-          <inkml:channel name="Y" type="integer" min="-2.14748E9" max="2.14748E9" units="cm"/>
-        </inkml:traceFormat>
-        <inkml:channelProperties>
-          <inkml:channelProperty channel="X" name="resolution" value="1000" units="1/cm"/>
-          <inkml:channelProperty channel="Y" name="resolution" value="1000" units="1/cm"/>
-        </inkml:channelProperties>
-      </inkml:inkSource>
-      <inkml:timestamp xml:id="ts0" timeString="2021-09-10T07:30:33.211"/>
-    </inkml:context>
-    <inkml:brush xml:id="br0">
-      <inkml:brushProperty name="width" value="0.1" units="cm"/>
-      <inkml:brushProperty name="height" value="0.1" units="cm"/>
-      <inkml:brushProperty name="color" value="#333333"/>
-      <inkml:brushProperty name="ignorePressure" value="1"/>
-    </inkml:brush>
-  </inkml:definitions>
-  <inkml:trace contextRef="#ctx0" brushRef="#br0">1 1,'1'18,"1"0,1 1,1-1,9 28,8 37,27 335,20 110,-54-439,4 99,-2-15,-5-7,-6-63,-2-80,1 0,1-1,11 31,-9-33,-1 0,-1 0,4 30,-13-26,-7-9</inkml:trace>
-</inkml:ink>
-</file>
-
-<file path=ppt/ink/ink101.xml><?xml version="1.0" encoding="utf-8"?>
 <inkml:ink xmlns:inkml="http://www.w3.org/2003/InkML">
   <inkml:definitions>
     <inkml:context xml:id="ctx0">
@@ -309,7 +207,7 @@
 </inkml:ink>
 </file>
 
-<file path=ppt/ink/ink102.xml><?xml version="1.0" encoding="utf-8"?>
+<file path=ppt/ink/ink101.xml><?xml version="1.0" encoding="utf-8"?>
 <inkml:ink xmlns:inkml="http://www.w3.org/2003/InkML">
   <inkml:definitions>
     <inkml:context xml:id="ctx0">
@@ -336,7 +234,7 @@
 </inkml:ink>
 </file>
 
-<file path=ppt/ink/ink103.xml><?xml version="1.0" encoding="utf-8"?>
+<file path=ppt/ink/ink102.xml><?xml version="1.0" encoding="utf-8"?>
 <inkml:ink xmlns:inkml="http://www.w3.org/2003/InkML">
   <inkml:definitions>
     <inkml:context xml:id="ctx0">
@@ -363,7 +261,7 @@
 </inkml:ink>
 </file>
 
-<file path=ppt/ink/ink104.xml><?xml version="1.0" encoding="utf-8"?>
+<file path=ppt/ink/ink103.xml><?xml version="1.0" encoding="utf-8"?>
 <inkml:ink xmlns:inkml="http://www.w3.org/2003/InkML">
   <inkml:definitions>
     <inkml:context xml:id="ctx0">
@@ -390,7 +288,7 @@
 </inkml:ink>
 </file>
 
-<file path=ppt/ink/ink105.xml><?xml version="1.0" encoding="utf-8"?>
+<file path=ppt/ink/ink104.xml><?xml version="1.0" encoding="utf-8"?>
 <inkml:ink xmlns:inkml="http://www.w3.org/2003/InkML">
   <inkml:definitions>
     <inkml:context xml:id="ctx0">
@@ -431,33 +329,6 @@
           <inkml:channelProperty channel="Y" name="resolution" value="1000" units="1/cm"/>
         </inkml:channelProperties>
       </inkml:inkSource>
-      <inkml:timestamp xml:id="ts0" timeString="2021-09-10T04:46:05.077"/>
-    </inkml:context>
-    <inkml:brush xml:id="br0">
-      <inkml:brushProperty name="width" value="0.1" units="cm"/>
-      <inkml:brushProperty name="height" value="0.1" units="cm"/>
-      <inkml:brushProperty name="color" value="#333333"/>
-      <inkml:brushProperty name="ignorePressure" value="1"/>
-    </inkml:brush>
-  </inkml:definitions>
-  <inkml:trace contextRef="#ctx0" brushRef="#br0">224 150,'461'-22,"-213"-16,-187 30,95-2,30-2,-50-10,-50 7,164-8,902 26,-1092 0,78 13,46 3,384-20,-526 4,0 1,47 11,-21-3,17 4,-39-7,80 6,571-12,-345-6,-282 1,-46 0,1 1,-1 1,1 1,0 1,35 8,-56-9,0 1,1 0,-1 0,0 1,0-1,-1 1,1 0,0 0,-1 0,0 1,1-1,-2 1,1-1,0 1,-1 0,1 0,-1 1,0-1,1 6,4 9,-2 1,0-1,1 25,-2-21,8 81,-2 149,0 6,4-95,17 166,-22-211,-8 133,3 47,5-231,23 95,-6-41,-13-66,3 0,2-2,30 62,-18-46,-23-51,-1 1,-1-1,0 1,-1 1,-2-1,0 0,-1 1,-1-1,-2 23,1-40,1 1,-1 0,0-1,0 1,-1-1,1 1,-1-1,1 1,-1-1,0 0,0 0,0 0,-1 0,1 0,-1-1,0 1,0-1,0 0,0 1,0-1,0 0,0-1,-1 1,1-1,-1 1,1-1,-1 0,0 0,-4 0,-12 2,-1-2,0 0,0 0,-24-4,8 0,-847-2,550 6,308-3,0-1,1-1,-1-1,-38-14,-32-6,-175-7,173 23,-145-5,-4 0,197 8,1-2,-94-27,106 23,-1 2,0 1,0 2,-1 2,1 2,-45 1,-1110 6,693-6,453 6,0 1,0 3,1 1,0 3,-54 20,-9 2,59-21,1-2,-2-2,1-3,-72 1,68-5,35 0,-1-1,1 0,-1-2,0 0,1-2,-35-7,51 8,0 0,0 0,0 0,1 0,-1 0,1 0,-1-1,1 1,0-1,-1 0,2 0,-1 0,0 0,0 0,1 0,0 0,-1 0,1-1,1 1,-1-1,0-5,-2-9,2-1,1-33,1 36,7-858,-10 802,-4 0,-23-115,-52-133,66 252,3 0,-4-85,5 42,0 11,-42-168,44 225,2 0,2-1,1 1,4-67,1 73</inkml:trace>
-</inkml:ink>
-</file>
-
-<file path=ppt/ink/ink12.xml><?xml version="1.0" encoding="utf-8"?>
-<inkml:ink xmlns:inkml="http://www.w3.org/2003/InkML">
-  <inkml:definitions>
-    <inkml:context xml:id="ctx0">
-      <inkml:inkSource xml:id="inkSrc0">
-        <inkml:traceFormat>
-          <inkml:channel name="X" type="integer" min="-2.14748E9" max="2.14748E9" units="cm"/>
-          <inkml:channel name="Y" type="integer" min="-2.14748E9" max="2.14748E9" units="cm"/>
-        </inkml:traceFormat>
-        <inkml:channelProperties>
-          <inkml:channelProperty channel="X" name="resolution" value="1000" units="1/cm"/>
-          <inkml:channelProperty channel="Y" name="resolution" value="1000" units="1/cm"/>
-        </inkml:channelProperties>
-      </inkml:inkSource>
       <inkml:timestamp xml:id="ts0" timeString="2021-09-10T04:46:06.278"/>
     </inkml:context>
     <inkml:brush xml:id="br0">
@@ -471,7 +342,7 @@
 </inkml:ink>
 </file>
 
-<file path=ppt/ink/ink13.xml><?xml version="1.0" encoding="utf-8"?>
+<file path=ppt/ink/ink12.xml><?xml version="1.0" encoding="utf-8"?>
 <inkml:ink xmlns:inkml="http://www.w3.org/2003/InkML">
   <inkml:definitions>
     <inkml:context xml:id="ctx0">
@@ -498,7 +369,7 @@
 </inkml:ink>
 </file>
 
-<file path=ppt/ink/ink14.xml><?xml version="1.0" encoding="utf-8"?>
+<file path=ppt/ink/ink13.xml><?xml version="1.0" encoding="utf-8"?>
 <inkml:ink xmlns:inkml="http://www.w3.org/2003/InkML">
   <inkml:definitions>
     <inkml:context xml:id="ctx0">
@@ -525,7 +396,7 @@
 </inkml:ink>
 </file>
 
-<file path=ppt/ink/ink15.xml><?xml version="1.0" encoding="utf-8"?>
+<file path=ppt/ink/ink14.xml><?xml version="1.0" encoding="utf-8"?>
 <inkml:ink xmlns:inkml="http://www.w3.org/2003/InkML">
   <inkml:definitions>
     <inkml:context xml:id="ctx0">
@@ -552,7 +423,7 @@
 </inkml:ink>
 </file>
 
-<file path=ppt/ink/ink16.xml><?xml version="1.0" encoding="utf-8"?>
+<file path=ppt/ink/ink15.xml><?xml version="1.0" encoding="utf-8"?>
 <inkml:ink xmlns:inkml="http://www.w3.org/2003/InkML">
   <inkml:definitions>
     <inkml:context xml:id="ctx0">
@@ -579,7 +450,7 @@
 </inkml:ink>
 </file>
 
-<file path=ppt/ink/ink17.xml><?xml version="1.0" encoding="utf-8"?>
+<file path=ppt/ink/ink16.xml><?xml version="1.0" encoding="utf-8"?>
 <inkml:ink xmlns:inkml="http://www.w3.org/2003/InkML">
   <inkml:definitions>
     <inkml:context xml:id="ctx0">
@@ -606,7 +477,7 @@
 </inkml:ink>
 </file>
 
-<file path=ppt/ink/ink18.xml><?xml version="1.0" encoding="utf-8"?>
+<file path=ppt/ink/ink17.xml><?xml version="1.0" encoding="utf-8"?>
 <inkml:ink xmlns:inkml="http://www.w3.org/2003/InkML">
   <inkml:definitions>
     <inkml:context xml:id="ctx0">
@@ -633,7 +504,7 @@
 </inkml:ink>
 </file>
 
-<file path=ppt/ink/ink19.xml><?xml version="1.0" encoding="utf-8"?>
+<file path=ppt/ink/ink18.xml><?xml version="1.0" encoding="utf-8"?>
 <inkml:ink xmlns:inkml="http://www.w3.org/2003/InkML">
   <inkml:definitions>
     <inkml:context xml:id="ctx0">
@@ -660,34 +531,7 @@
 </inkml:ink>
 </file>
 
-<file path=ppt/ink/ink2.xml><?xml version="1.0" encoding="utf-8"?>
-<inkml:ink xmlns:inkml="http://www.w3.org/2003/InkML">
-  <inkml:definitions>
-    <inkml:context xml:id="ctx0">
-      <inkml:inkSource xml:id="inkSrc0">
-        <inkml:traceFormat>
-          <inkml:channel name="X" type="integer" min="-2.14748E9" max="2.14748E9" units="cm"/>
-          <inkml:channel name="Y" type="integer" min="-2.14748E9" max="2.14748E9" units="cm"/>
-        </inkml:traceFormat>
-        <inkml:channelProperties>
-          <inkml:channelProperty channel="X" name="resolution" value="1000" units="1/cm"/>
-          <inkml:channelProperty channel="Y" name="resolution" value="1000" units="1/cm"/>
-        </inkml:channelProperties>
-      </inkml:inkSource>
-      <inkml:timestamp xml:id="ts0" timeString="2021-09-10T04:47:09.484"/>
-    </inkml:context>
-    <inkml:brush xml:id="br0">
-      <inkml:brushProperty name="width" value="0.1" units="cm"/>
-      <inkml:brushProperty name="height" value="0.1" units="cm"/>
-      <inkml:brushProperty name="color" value="#333333"/>
-      <inkml:brushProperty name="ignorePressure" value="1"/>
-    </inkml:brush>
-  </inkml:definitions>
-  <inkml:trace contextRef="#ctx0" brushRef="#br0">1 120,'0'1508,"2"-1460,14 79,-7-75,1 56,-9 496,-3-287,4-278,2 1,12 51,0-4,26 134,-39-209,0-1,1 0,0 0,0 0,2-1,-1 1,1-1,1 0,0-1,15 17,-17-21,0-1,1 1,0-1,0 0,0 0,1-1,-1 0,1 0,0 0,0-1,0 0,0-1,0 1,0-1,0-1,0 1,1-1,11-1,2-3,-1 0,1-2,37-14,-36 12,-1 0,1 2,26-5,-42 11,1-1,-1 0,0 0,0-1,0 0,-1 0,1 0,0-1,-1 1,1-1,-1-1,5-3,-7 3,0 1,0-1,0-1,0 1,-1 0,0 0,0-1,0 0,0 1,-1-1,0 0,0 0,0 1,0-1,-1-9,-1-238,-3 93,4 110,3 0,2 1,2-1,25-87,-22 101,-3-1,-1-1,3-62,-11-114,-1 80,3-1630,-2 1734,-1 0,-2 0,-7-29,-4-22,16 77,-1-1,1 1,-1-1,1 1,-1-1,0 1,0 0,-1-1,1 1,-1 0,1 0,-1 0,0 0,0 0,-1 1,1-1,0 1,-1-1,0 1,1 0,-1 0,0 0,0 0,0 0,0 1,-1-1,1 1,0 0,-1 0,1 0,0 1,-1-1,1 1,-1 0,1 0,-6 0,-12 3,1 1,-1 1,1 0,0 2,-23 10,-17 5,21-13,1-3,-1-1,0-2,-64-3,70-1</inkml:trace>
-</inkml:ink>
-</file>
-
-<file path=ppt/ink/ink20.xml><?xml version="1.0" encoding="utf-8"?>
+<file path=ppt/ink/ink19.xml><?xml version="1.0" encoding="utf-8"?>
 <inkml:ink xmlns:inkml="http://www.w3.org/2003/InkML">
   <inkml:definitions>
     <inkml:context xml:id="ctx0">
@@ -714,7 +558,34 @@
 </inkml:ink>
 </file>
 
-<file path=ppt/ink/ink21.xml><?xml version="1.0" encoding="utf-8"?>
+<file path=ppt/ink/ink2.xml><?xml version="1.0" encoding="utf-8"?>
+<inkml:ink xmlns:inkml="http://www.w3.org/2003/InkML">
+  <inkml:definitions>
+    <inkml:context xml:id="ctx0">
+      <inkml:inkSource xml:id="inkSrc0">
+        <inkml:traceFormat>
+          <inkml:channel name="X" type="integer" min="-2.14748E9" max="2.14748E9" units="cm"/>
+          <inkml:channel name="Y" type="integer" min="-2.14748E9" max="2.14748E9" units="cm"/>
+        </inkml:traceFormat>
+        <inkml:channelProperties>
+          <inkml:channelProperty channel="X" name="resolution" value="1000" units="1/cm"/>
+          <inkml:channelProperty channel="Y" name="resolution" value="1000" units="1/cm"/>
+        </inkml:channelProperties>
+      </inkml:inkSource>
+      <inkml:timestamp xml:id="ts0" timeString="2021-09-10T04:45:46.825"/>
+    </inkml:context>
+    <inkml:brush xml:id="br0">
+      <inkml:brushProperty name="width" value="0.1" units="cm"/>
+      <inkml:brushProperty name="height" value="0.1" units="cm"/>
+      <inkml:brushProperty name="color" value="#333333"/>
+      <inkml:brushProperty name="ignorePressure" value="1"/>
+    </inkml:brush>
+  </inkml:definitions>
+  <inkml:trace contextRef="#ctx0" brushRef="#br0">1 0</inkml:trace>
+</inkml:ink>
+</file>
+
+<file path=ppt/ink/ink20.xml><?xml version="1.0" encoding="utf-8"?>
 <inkml:ink xmlns:inkml="http://www.w3.org/2003/InkML">
   <inkml:definitions>
     <inkml:context xml:id="ctx0">
@@ -741,7 +612,7 @@
 </inkml:ink>
 </file>
 
-<file path=ppt/ink/ink22.xml><?xml version="1.0" encoding="utf-8"?>
+<file path=ppt/ink/ink21.xml><?xml version="1.0" encoding="utf-8"?>
 <inkml:ink xmlns:inkml="http://www.w3.org/2003/InkML">
   <inkml:definitions>
     <inkml:context xml:id="ctx0">
@@ -770,7 +641,7 @@
 </inkml:ink>
 </file>
 
-<file path=ppt/ink/ink23.xml><?xml version="1.0" encoding="utf-8"?>
+<file path=ppt/ink/ink22.xml><?xml version="1.0" encoding="utf-8"?>
 <inkml:ink xmlns:inkml="http://www.w3.org/2003/InkML">
   <inkml:definitions>
     <inkml:context xml:id="ctx0">
@@ -799,7 +670,7 @@
 </inkml:ink>
 </file>
 
-<file path=ppt/ink/ink24.xml><?xml version="1.0" encoding="utf-8"?>
+<file path=ppt/ink/ink23.xml><?xml version="1.0" encoding="utf-8"?>
 <inkml:ink xmlns:inkml="http://www.w3.org/2003/InkML">
   <inkml:definitions>
     <inkml:context xml:id="ctx0">
@@ -828,7 +699,7 @@
 </inkml:ink>
 </file>
 
-<file path=ppt/ink/ink25.xml><?xml version="1.0" encoding="utf-8"?>
+<file path=ppt/ink/ink24.xml><?xml version="1.0" encoding="utf-8"?>
 <inkml:ink xmlns:inkml="http://www.w3.org/2003/InkML">
   <inkml:definitions>
     <inkml:context xml:id="ctx0">
@@ -857,7 +728,7 @@
 </inkml:ink>
 </file>
 
-<file path=ppt/ink/ink26.xml><?xml version="1.0" encoding="utf-8"?>
+<file path=ppt/ink/ink25.xml><?xml version="1.0" encoding="utf-8"?>
 <inkml:ink xmlns:inkml="http://www.w3.org/2003/InkML">
   <inkml:definitions>
     <inkml:context xml:id="ctx0">
@@ -884,7 +755,7 @@
 </inkml:ink>
 </file>
 
-<file path=ppt/ink/ink27.xml><?xml version="1.0" encoding="utf-8"?>
+<file path=ppt/ink/ink26.xml><?xml version="1.0" encoding="utf-8"?>
 <inkml:ink xmlns:inkml="http://www.w3.org/2003/InkML">
   <inkml:definitions>
     <inkml:context xml:id="ctx0">
@@ -911,7 +782,7 @@
 </inkml:ink>
 </file>
 
-<file path=ppt/ink/ink28.xml><?xml version="1.0" encoding="utf-8"?>
+<file path=ppt/ink/ink27.xml><?xml version="1.0" encoding="utf-8"?>
 <inkml:ink xmlns:inkml="http://www.w3.org/2003/InkML">
   <inkml:definitions>
     <inkml:context xml:id="ctx0">
@@ -938,7 +809,7 @@
 </inkml:ink>
 </file>
 
-<file path=ppt/ink/ink29.xml><?xml version="1.0" encoding="utf-8"?>
+<file path=ppt/ink/ink28.xml><?xml version="1.0" encoding="utf-8"?>
 <inkml:ink xmlns:inkml="http://www.w3.org/2003/InkML">
   <inkml:definitions>
     <inkml:context xml:id="ctx0">
@@ -967,34 +838,7 @@
 </inkml:ink>
 </file>
 
-<file path=ppt/ink/ink3.xml><?xml version="1.0" encoding="utf-8"?>
-<inkml:ink xmlns:inkml="http://www.w3.org/2003/InkML">
-  <inkml:definitions>
-    <inkml:context xml:id="ctx0">
-      <inkml:inkSource xml:id="inkSrc0">
-        <inkml:traceFormat>
-          <inkml:channel name="X" type="integer" min="-2.14748E9" max="2.14748E9" units="cm"/>
-          <inkml:channel name="Y" type="integer" min="-2.14748E9" max="2.14748E9" units="cm"/>
-        </inkml:traceFormat>
-        <inkml:channelProperties>
-          <inkml:channelProperty channel="X" name="resolution" value="1000" units="1/cm"/>
-          <inkml:channelProperty channel="Y" name="resolution" value="1000" units="1/cm"/>
-        </inkml:channelProperties>
-      </inkml:inkSource>
-      <inkml:timestamp xml:id="ts0" timeString="2021-09-10T04:45:46.825"/>
-    </inkml:context>
-    <inkml:brush xml:id="br0">
-      <inkml:brushProperty name="width" value="0.1" units="cm"/>
-      <inkml:brushProperty name="height" value="0.1" units="cm"/>
-      <inkml:brushProperty name="color" value="#333333"/>
-      <inkml:brushProperty name="ignorePressure" value="1"/>
-    </inkml:brush>
-  </inkml:definitions>
-  <inkml:trace contextRef="#ctx0" brushRef="#br0">1 0</inkml:trace>
-</inkml:ink>
-</file>
-
-<file path=ppt/ink/ink30.xml><?xml version="1.0" encoding="utf-8"?>
+<file path=ppt/ink/ink29.xml><?xml version="1.0" encoding="utf-8"?>
 <inkml:ink xmlns:inkml="http://www.w3.org/2003/InkML">
   <inkml:definitions>
     <inkml:context xml:id="ctx0">
@@ -1023,7 +867,34 @@
 </inkml:ink>
 </file>
 
-<file path=ppt/ink/ink31.xml><?xml version="1.0" encoding="utf-8"?>
+<file path=ppt/ink/ink3.xml><?xml version="1.0" encoding="utf-8"?>
+<inkml:ink xmlns:inkml="http://www.w3.org/2003/InkML">
+  <inkml:definitions>
+    <inkml:context xml:id="ctx0">
+      <inkml:inkSource xml:id="inkSrc0">
+        <inkml:traceFormat>
+          <inkml:channel name="X" type="integer" min="-2.14748E9" max="2.14748E9" units="cm"/>
+          <inkml:channel name="Y" type="integer" min="-2.14748E9" max="2.14748E9" units="cm"/>
+        </inkml:traceFormat>
+        <inkml:channelProperties>
+          <inkml:channelProperty channel="X" name="resolution" value="1000" units="1/cm"/>
+          <inkml:channelProperty channel="Y" name="resolution" value="1000" units="1/cm"/>
+        </inkml:channelProperties>
+      </inkml:inkSource>
+      <inkml:timestamp xml:id="ts0" timeString="2021-09-10T04:45:48.603"/>
+    </inkml:context>
+    <inkml:brush xml:id="br0">
+      <inkml:brushProperty name="width" value="0.1" units="cm"/>
+      <inkml:brushProperty name="height" value="0.1" units="cm"/>
+      <inkml:brushProperty name="color" value="#333333"/>
+      <inkml:brushProperty name="ignorePressure" value="1"/>
+    </inkml:brush>
+  </inkml:definitions>
+  <inkml:trace contextRef="#ctx0" brushRef="#br0">2 0,'-2'156,"5"173,34 49,-3-61,-17-193,-6-51,2 100,-14 1336,3-1470,14 77,1 14,-14 421,-5-285,2 28,0-262</inkml:trace>
+</inkml:ink>
+</file>
+
+<file path=ppt/ink/ink30.xml><?xml version="1.0" encoding="utf-8"?>
 <inkml:ink xmlns:inkml="http://www.w3.org/2003/InkML">
   <inkml:definitions>
     <inkml:context xml:id="ctx0">
@@ -1052,7 +923,7 @@
 </inkml:ink>
 </file>
 
-<file path=ppt/ink/ink32.xml><?xml version="1.0" encoding="utf-8"?>
+<file path=ppt/ink/ink31.xml><?xml version="1.0" encoding="utf-8"?>
 <inkml:ink xmlns:inkml="http://www.w3.org/2003/InkML">
   <inkml:definitions>
     <inkml:context xml:id="ctx0">
@@ -1081,7 +952,7 @@
 </inkml:ink>
 </file>
 
-<file path=ppt/ink/ink33.xml><?xml version="1.0" encoding="utf-8"?>
+<file path=ppt/ink/ink32.xml><?xml version="1.0" encoding="utf-8"?>
 <inkml:ink xmlns:inkml="http://www.w3.org/2003/InkML">
   <inkml:definitions>
     <inkml:context xml:id="ctx0">
@@ -1110,7 +981,7 @@
 </inkml:ink>
 </file>
 
-<file path=ppt/ink/ink34.xml><?xml version="1.0" encoding="utf-8"?>
+<file path=ppt/ink/ink33.xml><?xml version="1.0" encoding="utf-8"?>
 <inkml:ink xmlns:inkml="http://www.w3.org/2003/InkML">
   <inkml:definitions>
     <inkml:context xml:id="ctx0">
@@ -1137,7 +1008,7 @@
 </inkml:ink>
 </file>
 
-<file path=ppt/ink/ink35.xml><?xml version="1.0" encoding="utf-8"?>
+<file path=ppt/ink/ink34.xml><?xml version="1.0" encoding="utf-8"?>
 <inkml:ink xmlns:inkml="http://www.w3.org/2003/InkML">
   <inkml:definitions>
     <inkml:context xml:id="ctx0">
@@ -1164,7 +1035,7 @@
 </inkml:ink>
 </file>
 
-<file path=ppt/ink/ink36.xml><?xml version="1.0" encoding="utf-8"?>
+<file path=ppt/ink/ink35.xml><?xml version="1.0" encoding="utf-8"?>
 <inkml:ink xmlns:inkml="http://www.w3.org/2003/InkML">
   <inkml:definitions>
     <inkml:context xml:id="ctx0">
@@ -1191,7 +1062,7 @@
 </inkml:ink>
 </file>
 
-<file path=ppt/ink/ink37.xml><?xml version="1.0" encoding="utf-8"?>
+<file path=ppt/ink/ink36.xml><?xml version="1.0" encoding="utf-8"?>
 <inkml:ink xmlns:inkml="http://www.w3.org/2003/InkML">
   <inkml:definitions>
     <inkml:context xml:id="ctx0">
@@ -1218,7 +1089,7 @@
 </inkml:ink>
 </file>
 
-<file path=ppt/ink/ink38.xml><?xml version="1.0" encoding="utf-8"?>
+<file path=ppt/ink/ink37.xml><?xml version="1.0" encoding="utf-8"?>
 <inkml:ink xmlns:inkml="http://www.w3.org/2003/InkML">
   <inkml:definitions>
     <inkml:context xml:id="ctx0">
@@ -1245,7 +1116,7 @@
 </inkml:ink>
 </file>
 
-<file path=ppt/ink/ink39.xml><?xml version="1.0" encoding="utf-8"?>
+<file path=ppt/ink/ink38.xml><?xml version="1.0" encoding="utf-8"?>
 <inkml:ink xmlns:inkml="http://www.w3.org/2003/InkML">
   <inkml:definitions>
     <inkml:context xml:id="ctx0">
@@ -1272,34 +1143,7 @@
 </inkml:ink>
 </file>
 
-<file path=ppt/ink/ink4.xml><?xml version="1.0" encoding="utf-8"?>
-<inkml:ink xmlns:inkml="http://www.w3.org/2003/InkML">
-  <inkml:definitions>
-    <inkml:context xml:id="ctx0">
-      <inkml:inkSource xml:id="inkSrc0">
-        <inkml:traceFormat>
-          <inkml:channel name="X" type="integer" min="-2.14748E9" max="2.14748E9" units="cm"/>
-          <inkml:channel name="Y" type="integer" min="-2.14748E9" max="2.14748E9" units="cm"/>
-        </inkml:traceFormat>
-        <inkml:channelProperties>
-          <inkml:channelProperty channel="X" name="resolution" value="1000" units="1/cm"/>
-          <inkml:channelProperty channel="Y" name="resolution" value="1000" units="1/cm"/>
-        </inkml:channelProperties>
-      </inkml:inkSource>
-      <inkml:timestamp xml:id="ts0" timeString="2021-09-10T04:45:48.603"/>
-    </inkml:context>
-    <inkml:brush xml:id="br0">
-      <inkml:brushProperty name="width" value="0.1" units="cm"/>
-      <inkml:brushProperty name="height" value="0.1" units="cm"/>
-      <inkml:brushProperty name="color" value="#333333"/>
-      <inkml:brushProperty name="ignorePressure" value="1"/>
-    </inkml:brush>
-  </inkml:definitions>
-  <inkml:trace contextRef="#ctx0" brushRef="#br0">2 0,'-2'156,"5"173,34 49,-3-61,-17-193,-6-51,2 100,-14 1336,3-1470,14 77,1 14,-14 421,-5-285,2 28,0-262</inkml:trace>
-</inkml:ink>
-</file>
-
-<file path=ppt/ink/ink40.xml><?xml version="1.0" encoding="utf-8"?>
+<file path=ppt/ink/ink39.xml><?xml version="1.0" encoding="utf-8"?>
 <inkml:ink xmlns:inkml="http://www.w3.org/2003/InkML">
   <inkml:definitions>
     <inkml:context xml:id="ctx0">
@@ -1326,7 +1170,34 @@
 </inkml:ink>
 </file>
 
-<file path=ppt/ink/ink41.xml><?xml version="1.0" encoding="utf-8"?>
+<file path=ppt/ink/ink4.xml><?xml version="1.0" encoding="utf-8"?>
+<inkml:ink xmlns:inkml="http://www.w3.org/2003/InkML">
+  <inkml:definitions>
+    <inkml:context xml:id="ctx0">
+      <inkml:inkSource xml:id="inkSrc0">
+        <inkml:traceFormat>
+          <inkml:channel name="X" type="integer" min="-2.14748E9" max="2.14748E9" units="cm"/>
+          <inkml:channel name="Y" type="integer" min="-2.14748E9" max="2.14748E9" units="cm"/>
+        </inkml:traceFormat>
+        <inkml:channelProperties>
+          <inkml:channelProperty channel="X" name="resolution" value="1000" units="1/cm"/>
+          <inkml:channelProperty channel="Y" name="resolution" value="1000" units="1/cm"/>
+        </inkml:channelProperties>
+      </inkml:inkSource>
+      <inkml:timestamp xml:id="ts0" timeString="2021-09-10T04:45:52.047"/>
+    </inkml:context>
+    <inkml:brush xml:id="br0">
+      <inkml:brushProperty name="width" value="0.1" units="cm"/>
+      <inkml:brushProperty name="height" value="0.1" units="cm"/>
+      <inkml:brushProperty name="color" value="#333333"/>
+      <inkml:brushProperty name="ignorePressure" value="1"/>
+    </inkml:brush>
+  </inkml:definitions>
+  <inkml:trace contextRef="#ctx0" brushRef="#br0">1 1,'6052'0,"-5997"3,-1 2,103 24,-93-15,97 8,271-19,-212-6,-178 3,-5 2,-1-2,1-1,0-2,-1-2,0-1,55-17,-80 19,74-24,-79 26,1 1,0 0,0 0,-1 1,1-1,0 1,0 1,-1-1,1 1,10 3,-14-3,-1 1,1 0,0 0,-1-1,1 2,-1-1,0 0,0 0,0 1,0-1,0 1,0-1,-1 1,1 0,-1 0,0 0,0 0,0 0,0 0,0 0,0 4,2 11,-1 0,0 26,-2-30,-2 459,-3-158,5 937,19-1010,-2-38,7 183,13-17,-23 128,-15-344,3-116,2-1,9 40,-6-37,4 62,-10 7,-1-77</inkml:trace>
+</inkml:ink>
+</file>
+
+<file path=ppt/ink/ink40.xml><?xml version="1.0" encoding="utf-8"?>
 <inkml:ink xmlns:inkml="http://www.w3.org/2003/InkML">
   <inkml:definitions>
     <inkml:context xml:id="ctx0">
@@ -1353,7 +1224,7 @@
 </inkml:ink>
 </file>
 
-<file path=ppt/ink/ink42.xml><?xml version="1.0" encoding="utf-8"?>
+<file path=ppt/ink/ink41.xml><?xml version="1.0" encoding="utf-8"?>
 <inkml:ink xmlns:inkml="http://www.w3.org/2003/InkML">
   <inkml:definitions>
     <inkml:context xml:id="ctx0">
@@ -1380,7 +1251,7 @@
 </inkml:ink>
 </file>
 
-<file path=ppt/ink/ink43.xml><?xml version="1.0" encoding="utf-8"?>
+<file path=ppt/ink/ink42.xml><?xml version="1.0" encoding="utf-8"?>
 <inkml:ink xmlns:inkml="http://www.w3.org/2003/InkML">
   <inkml:definitions>
     <inkml:context xml:id="ctx0">
@@ -1407,7 +1278,7 @@
 </inkml:ink>
 </file>
 
-<file path=ppt/ink/ink44.xml><?xml version="1.0" encoding="utf-8"?>
+<file path=ppt/ink/ink43.xml><?xml version="1.0" encoding="utf-8"?>
 <inkml:ink xmlns:inkml="http://www.w3.org/2003/InkML">
   <inkml:definitions>
     <inkml:context xml:id="ctx0">
@@ -1434,7 +1305,7 @@
 </inkml:ink>
 </file>
 
-<file path=ppt/ink/ink45.xml><?xml version="1.0" encoding="utf-8"?>
+<file path=ppt/ink/ink44.xml><?xml version="1.0" encoding="utf-8"?>
 <inkml:ink xmlns:inkml="http://www.w3.org/2003/InkML">
   <inkml:definitions>
     <inkml:context xml:id="ctx0">
@@ -1461,7 +1332,7 @@
 </inkml:ink>
 </file>
 
-<file path=ppt/ink/ink46.xml><?xml version="1.0" encoding="utf-8"?>
+<file path=ppt/ink/ink45.xml><?xml version="1.0" encoding="utf-8"?>
 <inkml:ink xmlns:inkml="http://www.w3.org/2003/InkML">
   <inkml:definitions>
     <inkml:context xml:id="ctx0">
@@ -1485,6 +1356,33 @@
     </inkml:brush>
   </inkml:definitions>
   <inkml:trace contextRef="#ctx0" brushRef="#br0">2 0,'-1'81,"3"94,1-160,0 0,1-1,0 0,1 0,1 0,0 0,1-1,9 14,-7-12,0 0,-1 1,-1 0,-1 0,8 28,-11-24,0-1,-1 1,0 0,-2 0,-3 28,3-43,-1 0,0 0,1 0,-2 0,1 0,-1-1,0 1,0 0,0-1,0 1,-1-1,0 0,0 1,0-2,0 1,-1 0,1 0,-1-1,0 0,0 0,0 0,-1 0,1-1,-1 0,-9 4,-12 0</inkml:trace>
+</inkml:ink>
+</file>
+
+<file path=ppt/ink/ink46.xml><?xml version="1.0" encoding="utf-8"?>
+<inkml:ink xmlns:inkml="http://www.w3.org/2003/InkML">
+  <inkml:definitions>
+    <inkml:context xml:id="ctx0">
+      <inkml:inkSource xml:id="inkSrc0">
+        <inkml:traceFormat>
+          <inkml:channel name="X" type="integer" min="-2.14748E9" max="2.14748E9" units="cm"/>
+          <inkml:channel name="Y" type="integer" min="-2.14748E9" max="2.14748E9" units="cm"/>
+        </inkml:traceFormat>
+        <inkml:channelProperties>
+          <inkml:channelProperty channel="X" name="resolution" value="1000" units="1/cm"/>
+          <inkml:channelProperty channel="Y" name="resolution" value="1000" units="1/cm"/>
+        </inkml:channelProperties>
+      </inkml:inkSource>
+      <inkml:timestamp xml:id="ts0" timeString="2021-09-10T04:51:58.760"/>
+    </inkml:context>
+    <inkml:brush xml:id="br0">
+      <inkml:brushProperty name="width" value="0.1" units="cm"/>
+      <inkml:brushProperty name="height" value="0.1" units="cm"/>
+      <inkml:brushProperty name="color" value="#333333"/>
+      <inkml:brushProperty name="ignorePressure" value="1"/>
+    </inkml:brush>
+  </inkml:definitions>
+  <inkml:trace contextRef="#ctx0" brushRef="#br0">1 1,'0'0</inkml:trace>
 </inkml:ink>
 </file>
 
@@ -1529,7 +1427,7 @@
           <inkml:channelProperty channel="Y" name="resolution" value="1000" units="1/cm"/>
         </inkml:channelProperties>
       </inkml:inkSource>
-      <inkml:timestamp xml:id="ts0" timeString="2021-09-10T04:51:58.760"/>
+      <inkml:timestamp xml:id="ts0" timeString="2021-09-10T07:10:45.972"/>
     </inkml:context>
     <inkml:brush xml:id="br0">
       <inkml:brushProperty name="width" value="0.1" units="cm"/>
@@ -1556,7 +1454,7 @@
           <inkml:channelProperty channel="Y" name="resolution" value="1000" units="1/cm"/>
         </inkml:channelProperties>
       </inkml:inkSource>
-      <inkml:timestamp xml:id="ts0" timeString="2021-09-10T07:10:45.972"/>
+      <inkml:timestamp xml:id="ts0" timeString="2021-09-10T07:23:32.907"/>
     </inkml:context>
     <inkml:brush xml:id="br0">
       <inkml:brushProperty name="width" value="0.1" units="cm"/>
@@ -1565,7 +1463,7 @@
       <inkml:brushProperty name="ignorePressure" value="1"/>
     </inkml:brush>
   </inkml:definitions>
-  <inkml:trace contextRef="#ctx0" brushRef="#br0">1 1,'0'0</inkml:trace>
+  <inkml:trace contextRef="#ctx0" brushRef="#br0">8873 45,'-29'-12,"7"1,-14 4,0 1,-1 1,0 3,0 1,-54 5,3-2,-2351 0,1254-4,1124 4,1 3,-98 20,104-10,1 2,0 3,-62 33,-19 7,96-45,-20 8,1 1,-68 42,95-49,-55 23,-18 9,57-24,0-1,-2-3,0-2,-67 17,61-19,-60 29,7-3,14-3,3 3,1 5,-84 59,1 0,123-81,32-17,-1 0,1 2,1 0,-20 16,-35 36,-107 74,129-100,2 3,-71 78,65-63,-66 54,38-41,3 4,-128 154,158-166,27-31,-2-1,-1 0,-42 37,8-14,2 2,3 3,-90 124,97-119,5-8,2 2,-62 119,-111 278,68-126,111-240,-40 169,37-115,22-92,1 0,-9 89,7 32,-7 177,23 770,0-1091,2-1,0 1,1-1,2 0,1 0,11 29,69 135,-82-178,12 20,1-1,2-1,45 52,82 64,-109-112,2-2,2-2,69 37,144 54,-194-92,453 159,13-44,-217-84,21 5,-198-34,216 18,-76-14,-50 1,552 94,-325-78,-317-40,384 1,41 4,497 10,-695-28,-83 5,307-5,-478-4,172-33,101-46,-306 68,876-259,-735 196,248-133,-206 95,111-58,-298 134,102-85,-93 68,-16 10,-3-3,96-110,79-142,-201 255,-2-1,-2-1,22-58,47-174,18-64,-97 297,6-28,-4-1,14-102,5-169,-15 115,-5-23,-16-296,-6 281,4 136,1 45,-15-156,4 205,-1 1,-2 1,-2 0,-21-46,-87-155,32 70,-129-218,157 282,-29-43,26 61,-4 4,-4 2,-105-96,-184-96,307 240,-7-3,-80-71,115 89,-2 1,0 1,-1 1,-1 2,0 1,-1 1,-1 2,0 1,-1 2,0 1,-38-6,-54-7,-194-42,260 52,-1 3,-95-4,-124 15,107 1,-427-3,567 0</inkml:trace>
 </inkml:ink>
 </file>
 
@@ -1583,7 +1481,7 @@
           <inkml:channelProperty channel="Y" name="resolution" value="1000" units="1/cm"/>
         </inkml:channelProperties>
       </inkml:inkSource>
-      <inkml:timestamp xml:id="ts0" timeString="2021-09-10T04:45:52.047"/>
+      <inkml:timestamp xml:id="ts0" timeString="2021-09-10T04:45:53.632"/>
     </inkml:context>
     <inkml:brush xml:id="br0">
       <inkml:brushProperty name="width" value="0.1" units="cm"/>
@@ -1592,38 +1490,11 @@
       <inkml:brushProperty name="ignorePressure" value="1"/>
     </inkml:brush>
   </inkml:definitions>
-  <inkml:trace contextRef="#ctx0" brushRef="#br0">1 1,'6052'0,"-5997"3,-1 2,103 24,-93-15,97 8,271-19,-212-6,-178 3,-5 2,-1-2,1-1,0-2,-1-2,0-1,55-17,-80 19,74-24,-79 26,1 1,0 0,0 0,-1 1,1-1,0 1,0 1,-1-1,1 1,10 3,-14-3,-1 1,1 0,0 0,-1-1,1 2,-1-1,0 0,0 0,0 1,0-1,0 1,0-1,-1 1,1 0,-1 0,0 0,0 0,0 0,0 0,0 0,0 4,2 11,-1 0,0 26,-2-30,-2 459,-3-158,5 937,19-1010,-2-38,7 183,13-17,-23 128,-15-344,3-116,2-1,9 40,-6-37,4 62,-10 7,-1-77</inkml:trace>
+  <inkml:trace contextRef="#ctx0" brushRef="#br0">1 115,'825'-49,"-208"1,-587 46,1037-14,-655 19,1296-3,-1662 2,72 14,16 0,11-10,-49-4,188 29,-179-14,209 6,-246-21,177 14,102 2,-162-18,649 21,-762-14,-23-2,0-2,74-4,-82-9,-12-6</inkml:trace>
 </inkml:ink>
 </file>
 
 <file path=ppt/ink/ink50.xml><?xml version="1.0" encoding="utf-8"?>
-<inkml:ink xmlns:inkml="http://www.w3.org/2003/InkML">
-  <inkml:definitions>
-    <inkml:context xml:id="ctx0">
-      <inkml:inkSource xml:id="inkSrc0">
-        <inkml:traceFormat>
-          <inkml:channel name="X" type="integer" min="-2.14748E9" max="2.14748E9" units="cm"/>
-          <inkml:channel name="Y" type="integer" min="-2.14748E9" max="2.14748E9" units="cm"/>
-        </inkml:traceFormat>
-        <inkml:channelProperties>
-          <inkml:channelProperty channel="X" name="resolution" value="1000" units="1/cm"/>
-          <inkml:channelProperty channel="Y" name="resolution" value="1000" units="1/cm"/>
-        </inkml:channelProperties>
-      </inkml:inkSource>
-      <inkml:timestamp xml:id="ts0" timeString="2021-09-10T07:23:32.907"/>
-    </inkml:context>
-    <inkml:brush xml:id="br0">
-      <inkml:brushProperty name="width" value="0.1" units="cm"/>
-      <inkml:brushProperty name="height" value="0.1" units="cm"/>
-      <inkml:brushProperty name="color" value="#333333"/>
-      <inkml:brushProperty name="ignorePressure" value="1"/>
-    </inkml:brush>
-  </inkml:definitions>
-  <inkml:trace contextRef="#ctx0" brushRef="#br0">8873 45,'-29'-12,"7"1,-14 4,0 1,-1 1,0 3,0 1,-54 5,3-2,-2351 0,1254-4,1124 4,1 3,-98 20,104-10,1 2,0 3,-62 33,-19 7,96-45,-20 8,1 1,-68 42,95-49,-55 23,-18 9,57-24,0-1,-2-3,0-2,-67 17,61-19,-60 29,7-3,14-3,3 3,1 5,-84 59,1 0,123-81,32-17,-1 0,1 2,1 0,-20 16,-35 36,-107 74,129-100,2 3,-71 78,65-63,-66 54,38-41,3 4,-128 154,158-166,27-31,-2-1,-1 0,-42 37,8-14,2 2,3 3,-90 124,97-119,5-8,2 2,-62 119,-111 278,68-126,111-240,-40 169,37-115,22-92,1 0,-9 89,7 32,-7 177,23 770,0-1091,2-1,0 1,1-1,2 0,1 0,11 29,69 135,-82-178,12 20,1-1,2-1,45 52,82 64,-109-112,2-2,2-2,69 37,144 54,-194-92,453 159,13-44,-217-84,21 5,-198-34,216 18,-76-14,-50 1,552 94,-325-78,-317-40,384 1,41 4,497 10,-695-28,-83 5,307-5,-478-4,172-33,101-46,-306 68,876-259,-735 196,248-133,-206 95,111-58,-298 134,102-85,-93 68,-16 10,-3-3,96-110,79-142,-201 255,-2-1,-2-1,22-58,47-174,18-64,-97 297,6-28,-4-1,14-102,5-169,-15 115,-5-23,-16-296,-6 281,4 136,1 45,-15-156,4 205,-1 1,-2 1,-2 0,-21-46,-87-155,32 70,-129-218,157 282,-29-43,26 61,-4 4,-4 2,-105-96,-184-96,307 240,-7-3,-80-71,115 89,-2 1,0 1,-1 1,-1 2,0 1,-1 1,-1 2,0 1,-1 2,0 1,-38-6,-54-7,-194-42,260 52,-1 3,-95-4,-124 15,107 1,-427-3,567 0</inkml:trace>
-</inkml:ink>
-</file>
-
-<file path=ppt/ink/ink51.xml><?xml version="1.0" encoding="utf-8"?>
 <inkml:ink xmlns:inkml="http://www.w3.org/2003/InkML">
   <inkml:definitions>
     <inkml:context xml:id="ctx0">
@@ -1650,7 +1521,7 @@
 </inkml:ink>
 </file>
 
-<file path=ppt/ink/ink52.xml><?xml version="1.0" encoding="utf-8"?>
+<file path=ppt/ink/ink51.xml><?xml version="1.0" encoding="utf-8"?>
 <inkml:ink xmlns:inkml="http://www.w3.org/2003/InkML">
   <inkml:definitions>
     <inkml:context xml:id="ctx0">
@@ -1677,7 +1548,7 @@
 </inkml:ink>
 </file>
 
-<file path=ppt/ink/ink53.xml><?xml version="1.0" encoding="utf-8"?>
+<file path=ppt/ink/ink52.xml><?xml version="1.0" encoding="utf-8"?>
 <inkml:ink xmlns:inkml="http://www.w3.org/2003/InkML">
   <inkml:definitions>
     <inkml:context xml:id="ctx0">
@@ -1704,7 +1575,7 @@
 </inkml:ink>
 </file>
 
-<file path=ppt/ink/ink54.xml><?xml version="1.0" encoding="utf-8"?>
+<file path=ppt/ink/ink53.xml><?xml version="1.0" encoding="utf-8"?>
 <inkml:ink xmlns:inkml="http://www.w3.org/2003/InkML">
   <inkml:definitions>
     <inkml:context xml:id="ctx0">
@@ -1731,7 +1602,7 @@
 </inkml:ink>
 </file>
 
-<file path=ppt/ink/ink55.xml><?xml version="1.0" encoding="utf-8"?>
+<file path=ppt/ink/ink54.xml><?xml version="1.0" encoding="utf-8"?>
 <inkml:ink xmlns:inkml="http://www.w3.org/2003/InkML">
   <inkml:definitions>
     <inkml:context xml:id="ctx0">
@@ -1758,7 +1629,7 @@
 </inkml:ink>
 </file>
 
-<file path=ppt/ink/ink56.xml><?xml version="1.0" encoding="utf-8"?>
+<file path=ppt/ink/ink55.xml><?xml version="1.0" encoding="utf-8"?>
 <inkml:ink xmlns:inkml="http://www.w3.org/2003/InkML">
   <inkml:definitions>
     <inkml:context xml:id="ctx0">
@@ -1785,7 +1656,7 @@
 </inkml:ink>
 </file>
 
-<file path=ppt/ink/ink57.xml><?xml version="1.0" encoding="utf-8"?>
+<file path=ppt/ink/ink56.xml><?xml version="1.0" encoding="utf-8"?>
 <inkml:ink xmlns:inkml="http://www.w3.org/2003/InkML">
   <inkml:definitions>
     <inkml:context xml:id="ctx0">
@@ -1812,7 +1683,7 @@
 </inkml:ink>
 </file>
 
-<file path=ppt/ink/ink58.xml><?xml version="1.0" encoding="utf-8"?>
+<file path=ppt/ink/ink57.xml><?xml version="1.0" encoding="utf-8"?>
 <inkml:ink xmlns:inkml="http://www.w3.org/2003/InkML">
   <inkml:definitions>
     <inkml:context xml:id="ctx0">
@@ -1839,7 +1710,7 @@
 </inkml:ink>
 </file>
 
-<file path=ppt/ink/ink59.xml><?xml version="1.0" encoding="utf-8"?>
+<file path=ppt/ink/ink58.xml><?xml version="1.0" encoding="utf-8"?>
 <inkml:ink xmlns:inkml="http://www.w3.org/2003/InkML">
   <inkml:definitions>
     <inkml:context xml:id="ctx0">
@@ -1866,34 +1737,7 @@
 </inkml:ink>
 </file>
 
-<file path=ppt/ink/ink6.xml><?xml version="1.0" encoding="utf-8"?>
-<inkml:ink xmlns:inkml="http://www.w3.org/2003/InkML">
-  <inkml:definitions>
-    <inkml:context xml:id="ctx0">
-      <inkml:inkSource xml:id="inkSrc0">
-        <inkml:traceFormat>
-          <inkml:channel name="X" type="integer" min="-2.14748E9" max="2.14748E9" units="cm"/>
-          <inkml:channel name="Y" type="integer" min="-2.14748E9" max="2.14748E9" units="cm"/>
-        </inkml:traceFormat>
-        <inkml:channelProperties>
-          <inkml:channelProperty channel="X" name="resolution" value="1000" units="1/cm"/>
-          <inkml:channelProperty channel="Y" name="resolution" value="1000" units="1/cm"/>
-        </inkml:channelProperties>
-      </inkml:inkSource>
-      <inkml:timestamp xml:id="ts0" timeString="2021-09-10T04:45:53.632"/>
-    </inkml:context>
-    <inkml:brush xml:id="br0">
-      <inkml:brushProperty name="width" value="0.1" units="cm"/>
-      <inkml:brushProperty name="height" value="0.1" units="cm"/>
-      <inkml:brushProperty name="color" value="#333333"/>
-      <inkml:brushProperty name="ignorePressure" value="1"/>
-    </inkml:brush>
-  </inkml:definitions>
-  <inkml:trace contextRef="#ctx0" brushRef="#br0">1 115,'825'-49,"-208"1,-587 46,1037-14,-655 19,1296-3,-1662 2,72 14,16 0,11-10,-49-4,188 29,-179-14,209 6,-246-21,177 14,102 2,-162-18,649 21,-762-14,-23-2,0-2,74-4,-82-9,-12-6</inkml:trace>
-</inkml:ink>
-</file>
-
-<file path=ppt/ink/ink60.xml><?xml version="1.0" encoding="utf-8"?>
+<file path=ppt/ink/ink59.xml><?xml version="1.0" encoding="utf-8"?>
 <inkml:ink xmlns:inkml="http://www.w3.org/2003/InkML">
   <inkml:definitions>
     <inkml:context xml:id="ctx0">
@@ -1920,7 +1764,34 @@
 </inkml:ink>
 </file>
 
-<file path=ppt/ink/ink61.xml><?xml version="1.0" encoding="utf-8"?>
+<file path=ppt/ink/ink6.xml><?xml version="1.0" encoding="utf-8"?>
+<inkml:ink xmlns:inkml="http://www.w3.org/2003/InkML">
+  <inkml:definitions>
+    <inkml:context xml:id="ctx0">
+      <inkml:inkSource xml:id="inkSrc0">
+        <inkml:traceFormat>
+          <inkml:channel name="X" type="integer" min="-2.14748E9" max="2.14748E9" units="cm"/>
+          <inkml:channel name="Y" type="integer" min="-2.14748E9" max="2.14748E9" units="cm"/>
+        </inkml:traceFormat>
+        <inkml:channelProperties>
+          <inkml:channelProperty channel="X" name="resolution" value="1000" units="1/cm"/>
+          <inkml:channelProperty channel="Y" name="resolution" value="1000" units="1/cm"/>
+        </inkml:channelProperties>
+      </inkml:inkSource>
+      <inkml:timestamp xml:id="ts0" timeString="2021-09-10T04:45:55.265"/>
+    </inkml:context>
+    <inkml:brush xml:id="br0">
+      <inkml:brushProperty name="width" value="0.1" units="cm"/>
+      <inkml:brushProperty name="height" value="0.1" units="cm"/>
+      <inkml:brushProperty name="color" value="#333333"/>
+      <inkml:brushProperty name="ignorePressure" value="1"/>
+    </inkml:brush>
+  </inkml:definitions>
+  <inkml:trace contextRef="#ctx0" brushRef="#br0">4 1,'-1'88,"-1"-31,2 1,4-1,10 62,-9-93,-2-6,1 0,1 0,1-1,15 34,-17-46,-1-1,1 0,1 0,-1-1,1 1,0-1,1 0,-1 0,1-1,0 0,0 0,0 0,0-1,1 0,-1 0,1 0,11 2,16 1,0-1,1-1,0-3,0 0,53-7,10 1,-4 3,-56 2</inkml:trace>
+</inkml:ink>
+</file>
+
+<file path=ppt/ink/ink60.xml><?xml version="1.0" encoding="utf-8"?>
 <inkml:ink xmlns:inkml="http://www.w3.org/2003/InkML">
   <inkml:definitions>
     <inkml:context xml:id="ctx0">
@@ -1947,7 +1818,7 @@
 </inkml:ink>
 </file>
 
-<file path=ppt/ink/ink62.xml><?xml version="1.0" encoding="utf-8"?>
+<file path=ppt/ink/ink61.xml><?xml version="1.0" encoding="utf-8"?>
 <inkml:ink xmlns:inkml="http://www.w3.org/2003/InkML">
   <inkml:definitions>
     <inkml:context xml:id="ctx0">
@@ -1974,7 +1845,7 @@
 </inkml:ink>
 </file>
 
-<file path=ppt/ink/ink63.xml><?xml version="1.0" encoding="utf-8"?>
+<file path=ppt/ink/ink62.xml><?xml version="1.0" encoding="utf-8"?>
 <inkml:ink xmlns:inkml="http://www.w3.org/2003/InkML">
   <inkml:definitions>
     <inkml:context xml:id="ctx0">
@@ -2001,7 +1872,7 @@
 </inkml:ink>
 </file>
 
-<file path=ppt/ink/ink64.xml><?xml version="1.0" encoding="utf-8"?>
+<file path=ppt/ink/ink63.xml><?xml version="1.0" encoding="utf-8"?>
 <inkml:ink xmlns:inkml="http://www.w3.org/2003/InkML">
   <inkml:definitions>
     <inkml:context xml:id="ctx0">
@@ -2028,7 +1899,7 @@
 </inkml:ink>
 </file>
 
-<file path=ppt/ink/ink65.xml><?xml version="1.0" encoding="utf-8"?>
+<file path=ppt/ink/ink64.xml><?xml version="1.0" encoding="utf-8"?>
 <inkml:ink xmlns:inkml="http://www.w3.org/2003/InkML">
   <inkml:definitions>
     <inkml:context xml:id="ctx0">
@@ -2055,7 +1926,7 @@
 </inkml:ink>
 </file>
 
-<file path=ppt/ink/ink66.xml><?xml version="1.0" encoding="utf-8"?>
+<file path=ppt/ink/ink65.xml><?xml version="1.0" encoding="utf-8"?>
 <inkml:ink xmlns:inkml="http://www.w3.org/2003/InkML">
   <inkml:definitions>
     <inkml:context xml:id="ctx0">
@@ -2082,7 +1953,7 @@
 </inkml:ink>
 </file>
 
-<file path=ppt/ink/ink67.xml><?xml version="1.0" encoding="utf-8"?>
+<file path=ppt/ink/ink66.xml><?xml version="1.0" encoding="utf-8"?>
 <inkml:ink xmlns:inkml="http://www.w3.org/2003/InkML">
   <inkml:definitions>
     <inkml:context xml:id="ctx0">
@@ -2109,7 +1980,7 @@
 </inkml:ink>
 </file>
 
-<file path=ppt/ink/ink68.xml><?xml version="1.0" encoding="utf-8"?>
+<file path=ppt/ink/ink67.xml><?xml version="1.0" encoding="utf-8"?>
 <inkml:ink xmlns:inkml="http://www.w3.org/2003/InkML">
   <inkml:definitions>
     <inkml:context xml:id="ctx0">
@@ -2136,7 +2007,7 @@
 </inkml:ink>
 </file>
 
-<file path=ppt/ink/ink69.xml><?xml version="1.0" encoding="utf-8"?>
+<file path=ppt/ink/ink68.xml><?xml version="1.0" encoding="utf-8"?>
 <inkml:ink xmlns:inkml="http://www.w3.org/2003/InkML">
   <inkml:definitions>
     <inkml:context xml:id="ctx0">
@@ -2163,34 +2034,7 @@
 </inkml:ink>
 </file>
 
-<file path=ppt/ink/ink7.xml><?xml version="1.0" encoding="utf-8"?>
-<inkml:ink xmlns:inkml="http://www.w3.org/2003/InkML">
-  <inkml:definitions>
-    <inkml:context xml:id="ctx0">
-      <inkml:inkSource xml:id="inkSrc0">
-        <inkml:traceFormat>
-          <inkml:channel name="X" type="integer" min="-2.14748E9" max="2.14748E9" units="cm"/>
-          <inkml:channel name="Y" type="integer" min="-2.14748E9" max="2.14748E9" units="cm"/>
-        </inkml:traceFormat>
-        <inkml:channelProperties>
-          <inkml:channelProperty channel="X" name="resolution" value="1000" units="1/cm"/>
-          <inkml:channelProperty channel="Y" name="resolution" value="1000" units="1/cm"/>
-        </inkml:channelProperties>
-      </inkml:inkSource>
-      <inkml:timestamp xml:id="ts0" timeString="2021-09-10T04:45:55.265"/>
-    </inkml:context>
-    <inkml:brush xml:id="br0">
-      <inkml:brushProperty name="width" value="0.1" units="cm"/>
-      <inkml:brushProperty name="height" value="0.1" units="cm"/>
-      <inkml:brushProperty name="color" value="#333333"/>
-      <inkml:brushProperty name="ignorePressure" value="1"/>
-    </inkml:brush>
-  </inkml:definitions>
-  <inkml:trace contextRef="#ctx0" brushRef="#br0">4 1,'-1'88,"-1"-31,2 1,4-1,10 62,-9-93,-2-6,1 0,1 0,1-1,15 34,-17-46,-1-1,1 0,1 0,-1-1,1 1,0-1,1 0,-1 0,1-1,0 0,0 0,0 0,0-1,1 0,-1 0,1 0,11 2,16 1,0-1,1-1,0-3,0 0,53-7,10 1,-4 3,-56 2</inkml:trace>
-</inkml:ink>
-</file>
-
-<file path=ppt/ink/ink70.xml><?xml version="1.0" encoding="utf-8"?>
+<file path=ppt/ink/ink69.xml><?xml version="1.0" encoding="utf-8"?>
 <inkml:ink xmlns:inkml="http://www.w3.org/2003/InkML">
   <inkml:definitions>
     <inkml:context xml:id="ctx0">
@@ -2217,7 +2061,34 @@
 </inkml:ink>
 </file>
 
-<file path=ppt/ink/ink71.xml><?xml version="1.0" encoding="utf-8"?>
+<file path=ppt/ink/ink7.xml><?xml version="1.0" encoding="utf-8"?>
+<inkml:ink xmlns:inkml="http://www.w3.org/2003/InkML">
+  <inkml:definitions>
+    <inkml:context xml:id="ctx0">
+      <inkml:inkSource xml:id="inkSrc0">
+        <inkml:traceFormat>
+          <inkml:channel name="X" type="integer" min="-2.14748E9" max="2.14748E9" units="cm"/>
+          <inkml:channel name="Y" type="integer" min="-2.14748E9" max="2.14748E9" units="cm"/>
+        </inkml:traceFormat>
+        <inkml:channelProperties>
+          <inkml:channelProperty channel="X" name="resolution" value="1000" units="1/cm"/>
+          <inkml:channelProperty channel="Y" name="resolution" value="1000" units="1/cm"/>
+        </inkml:channelProperties>
+      </inkml:inkSource>
+      <inkml:timestamp xml:id="ts0" timeString="2021-09-10T04:45:56.609"/>
+    </inkml:context>
+    <inkml:brush xml:id="br0">
+      <inkml:brushProperty name="width" value="0.1" units="cm"/>
+      <inkml:brushProperty name="height" value="0.1" units="cm"/>
+      <inkml:brushProperty name="color" value="#333333"/>
+      <inkml:brushProperty name="ignorePressure" value="1"/>
+    </inkml:brush>
+  </inkml:definitions>
+  <inkml:trace contextRef="#ctx0" brushRef="#br0">1 74,'50'-3,"0"-2,0-3,48-13,-53 10,0 2,1 2,83-2,-126 9,1 0,0 1,-1-1,1 1,-1 0,1 0,-1 0,0 1,1-1,-1 1,0 0,0 0,0 0,0 0,0 0,0 1,-1-1,1 1,-1 0,0 0,0 0,0 0,0 0,0 0,-1 1,1-1,-1 0,0 1,0-1,0 1,0 6,2 12,-1 0,-1 0,-1 1,-4 26,1-13,-2 120,5-124</inkml:trace>
+</inkml:ink>
+</file>
+
+<file path=ppt/ink/ink70.xml><?xml version="1.0" encoding="utf-8"?>
 <inkml:ink xmlns:inkml="http://www.w3.org/2003/InkML">
   <inkml:definitions>
     <inkml:context xml:id="ctx0">
@@ -2244,7 +2115,7 @@
 </inkml:ink>
 </file>
 
-<file path=ppt/ink/ink72.xml><?xml version="1.0" encoding="utf-8"?>
+<file path=ppt/ink/ink71.xml><?xml version="1.0" encoding="utf-8"?>
 <inkml:ink xmlns:inkml="http://www.w3.org/2003/InkML">
   <inkml:definitions>
     <inkml:context xml:id="ctx0">
@@ -2271,7 +2142,7 @@
 </inkml:ink>
 </file>
 
-<file path=ppt/ink/ink73.xml><?xml version="1.0" encoding="utf-8"?>
+<file path=ppt/ink/ink72.xml><?xml version="1.0" encoding="utf-8"?>
 <inkml:ink xmlns:inkml="http://www.w3.org/2003/InkML">
   <inkml:definitions>
     <inkml:context xml:id="ctx0">
@@ -2298,7 +2169,7 @@
 </inkml:ink>
 </file>
 
-<file path=ppt/ink/ink74.xml><?xml version="1.0" encoding="utf-8"?>
+<file path=ppt/ink/ink73.xml><?xml version="1.0" encoding="utf-8"?>
 <inkml:ink xmlns:inkml="http://www.w3.org/2003/InkML">
   <inkml:definitions>
     <inkml:context xml:id="ctx0">
@@ -2325,7 +2196,7 @@
 </inkml:ink>
 </file>
 
-<file path=ppt/ink/ink75.xml><?xml version="1.0" encoding="utf-8"?>
+<file path=ppt/ink/ink74.xml><?xml version="1.0" encoding="utf-8"?>
 <inkml:ink xmlns:inkml="http://www.w3.org/2003/InkML">
   <inkml:definitions>
     <inkml:context xml:id="ctx0">
@@ -2352,7 +2223,7 @@
 </inkml:ink>
 </file>
 
-<file path=ppt/ink/ink76.xml><?xml version="1.0" encoding="utf-8"?>
+<file path=ppt/ink/ink75.xml><?xml version="1.0" encoding="utf-8"?>
 <inkml:ink xmlns:inkml="http://www.w3.org/2003/InkML">
   <inkml:definitions>
     <inkml:context xml:id="ctx0">
@@ -2379,7 +2250,7 @@
 </inkml:ink>
 </file>
 
-<file path=ppt/ink/ink77.xml><?xml version="1.0" encoding="utf-8"?>
+<file path=ppt/ink/ink76.xml><?xml version="1.0" encoding="utf-8"?>
 <inkml:ink xmlns:inkml="http://www.w3.org/2003/InkML">
   <inkml:definitions>
     <inkml:context xml:id="ctx0">
@@ -2406,7 +2277,7 @@
 </inkml:ink>
 </file>
 
-<file path=ppt/ink/ink78.xml><?xml version="1.0" encoding="utf-8"?>
+<file path=ppt/ink/ink77.xml><?xml version="1.0" encoding="utf-8"?>
 <inkml:ink xmlns:inkml="http://www.w3.org/2003/InkML">
   <inkml:definitions>
     <inkml:context xml:id="ctx0">
@@ -2433,7 +2304,7 @@
 </inkml:ink>
 </file>
 
-<file path=ppt/ink/ink79.xml><?xml version="1.0" encoding="utf-8"?>
+<file path=ppt/ink/ink78.xml><?xml version="1.0" encoding="utf-8"?>
 <inkml:ink xmlns:inkml="http://www.w3.org/2003/InkML">
   <inkml:definitions>
     <inkml:context xml:id="ctx0">
@@ -2460,34 +2331,7 @@
 </inkml:ink>
 </file>
 
-<file path=ppt/ink/ink8.xml><?xml version="1.0" encoding="utf-8"?>
-<inkml:ink xmlns:inkml="http://www.w3.org/2003/InkML">
-  <inkml:definitions>
-    <inkml:context xml:id="ctx0">
-      <inkml:inkSource xml:id="inkSrc0">
-        <inkml:traceFormat>
-          <inkml:channel name="X" type="integer" min="-2.14748E9" max="2.14748E9" units="cm"/>
-          <inkml:channel name="Y" type="integer" min="-2.14748E9" max="2.14748E9" units="cm"/>
-        </inkml:traceFormat>
-        <inkml:channelProperties>
-          <inkml:channelProperty channel="X" name="resolution" value="1000" units="1/cm"/>
-          <inkml:channelProperty channel="Y" name="resolution" value="1000" units="1/cm"/>
-        </inkml:channelProperties>
-      </inkml:inkSource>
-      <inkml:timestamp xml:id="ts0" timeString="2021-09-10T04:45:56.609"/>
-    </inkml:context>
-    <inkml:brush xml:id="br0">
-      <inkml:brushProperty name="width" value="0.1" units="cm"/>
-      <inkml:brushProperty name="height" value="0.1" units="cm"/>
-      <inkml:brushProperty name="color" value="#333333"/>
-      <inkml:brushProperty name="ignorePressure" value="1"/>
-    </inkml:brush>
-  </inkml:definitions>
-  <inkml:trace contextRef="#ctx0" brushRef="#br0">1 74,'50'-3,"0"-2,0-3,48-13,-53 10,0 2,1 2,83-2,-126 9,1 0,0 1,-1-1,1 1,-1 0,1 0,-1 0,0 1,1-1,-1 1,0 0,0 0,0 0,0 0,0 0,0 1,-1-1,1 1,-1 0,0 0,0 0,0 0,0 0,0 0,-1 1,1-1,-1 0,0 1,0-1,0 1,0 6,2 12,-1 0,-1 0,-1 1,-4 26,1-13,-2 120,5-124</inkml:trace>
-</inkml:ink>
-</file>
-
-<file path=ppt/ink/ink80.xml><?xml version="1.0" encoding="utf-8"?>
+<file path=ppt/ink/ink79.xml><?xml version="1.0" encoding="utf-8"?>
 <inkml:ink xmlns:inkml="http://www.w3.org/2003/InkML">
   <inkml:definitions>
     <inkml:context xml:id="ctx0">
@@ -2514,7 +2358,34 @@
 </inkml:ink>
 </file>
 
-<file path=ppt/ink/ink81.xml><?xml version="1.0" encoding="utf-8"?>
+<file path=ppt/ink/ink8.xml><?xml version="1.0" encoding="utf-8"?>
+<inkml:ink xmlns:inkml="http://www.w3.org/2003/InkML">
+  <inkml:definitions>
+    <inkml:context xml:id="ctx0">
+      <inkml:inkSource xml:id="inkSrc0">
+        <inkml:traceFormat>
+          <inkml:channel name="X" type="integer" min="-2.14748E9" max="2.14748E9" units="cm"/>
+          <inkml:channel name="Y" type="integer" min="-2.14748E9" max="2.14748E9" units="cm"/>
+        </inkml:traceFormat>
+        <inkml:channelProperties>
+          <inkml:channelProperty channel="X" name="resolution" value="1000" units="1/cm"/>
+          <inkml:channelProperty channel="Y" name="resolution" value="1000" units="1/cm"/>
+        </inkml:channelProperties>
+      </inkml:inkSource>
+      <inkml:timestamp xml:id="ts0" timeString="2021-09-10T04:45:57.920"/>
+    </inkml:context>
+    <inkml:brush xml:id="br0">
+      <inkml:brushProperty name="width" value="0.1" units="cm"/>
+      <inkml:brushProperty name="height" value="0.1" units="cm"/>
+      <inkml:brushProperty name="color" value="#333333"/>
+      <inkml:brushProperty name="ignorePressure" value="1"/>
+    </inkml:brush>
+  </inkml:definitions>
+  <inkml:trace contextRef="#ctx0" brushRef="#br0">0 40,'0'-6,"6"-3,9 1,8 2,6 1,4 2,4 2,1 0,0 1,1 0,-1 1,0-1,-1 0,0 0,0 1,0-1,-7 0</inkml:trace>
+</inkml:ink>
+</file>
+
+<file path=ppt/ink/ink80.xml><?xml version="1.0" encoding="utf-8"?>
 <inkml:ink xmlns:inkml="http://www.w3.org/2003/InkML">
   <inkml:definitions>
     <inkml:context xml:id="ctx0">
@@ -2541,7 +2412,7 @@
 </inkml:ink>
 </file>
 
-<file path=ppt/ink/ink82.xml><?xml version="1.0" encoding="utf-8"?>
+<file path=ppt/ink/ink81.xml><?xml version="1.0" encoding="utf-8"?>
 <inkml:ink xmlns:inkml="http://www.w3.org/2003/InkML">
   <inkml:definitions>
     <inkml:context xml:id="ctx0">
@@ -2568,7 +2439,7 @@
 </inkml:ink>
 </file>
 
-<file path=ppt/ink/ink83.xml><?xml version="1.0" encoding="utf-8"?>
+<file path=ppt/ink/ink82.xml><?xml version="1.0" encoding="utf-8"?>
 <inkml:ink xmlns:inkml="http://www.w3.org/2003/InkML">
   <inkml:definitions>
     <inkml:context xml:id="ctx0">
@@ -2595,7 +2466,7 @@
 </inkml:ink>
 </file>
 
-<file path=ppt/ink/ink84.xml><?xml version="1.0" encoding="utf-8"?>
+<file path=ppt/ink/ink83.xml><?xml version="1.0" encoding="utf-8"?>
 <inkml:ink xmlns:inkml="http://www.w3.org/2003/InkML">
   <inkml:definitions>
     <inkml:context xml:id="ctx0">
@@ -2622,7 +2493,7 @@
 </inkml:ink>
 </file>
 
-<file path=ppt/ink/ink85.xml><?xml version="1.0" encoding="utf-8"?>
+<file path=ppt/ink/ink84.xml><?xml version="1.0" encoding="utf-8"?>
 <inkml:ink xmlns:inkml="http://www.w3.org/2003/InkML">
   <inkml:definitions>
     <inkml:context xml:id="ctx0">
@@ -2649,7 +2520,7 @@
 </inkml:ink>
 </file>
 
-<file path=ppt/ink/ink86.xml><?xml version="1.0" encoding="utf-8"?>
+<file path=ppt/ink/ink85.xml><?xml version="1.0" encoding="utf-8"?>
 <inkml:ink xmlns:inkml="http://www.w3.org/2003/InkML">
   <inkml:definitions>
     <inkml:context xml:id="ctx0">
@@ -2676,7 +2547,7 @@
 </inkml:ink>
 </file>
 
-<file path=ppt/ink/ink87.xml><?xml version="1.0" encoding="utf-8"?>
+<file path=ppt/ink/ink86.xml><?xml version="1.0" encoding="utf-8"?>
 <inkml:ink xmlns:inkml="http://www.w3.org/2003/InkML">
   <inkml:definitions>
     <inkml:context xml:id="ctx0">
@@ -2703,7 +2574,7 @@
 </inkml:ink>
 </file>
 
-<file path=ppt/ink/ink88.xml><?xml version="1.0" encoding="utf-8"?>
+<file path=ppt/ink/ink87.xml><?xml version="1.0" encoding="utf-8"?>
 <inkml:ink xmlns:inkml="http://www.w3.org/2003/InkML">
   <inkml:definitions>
     <inkml:context xml:id="ctx0">
@@ -2730,7 +2601,7 @@
 </inkml:ink>
 </file>
 
-<file path=ppt/ink/ink89.xml><?xml version="1.0" encoding="utf-8"?>
+<file path=ppt/ink/ink88.xml><?xml version="1.0" encoding="utf-8"?>
 <inkml:ink xmlns:inkml="http://www.w3.org/2003/InkML">
   <inkml:definitions>
     <inkml:context xml:id="ctx0">
@@ -2757,34 +2628,7 @@
 </inkml:ink>
 </file>
 
-<file path=ppt/ink/ink9.xml><?xml version="1.0" encoding="utf-8"?>
-<inkml:ink xmlns:inkml="http://www.w3.org/2003/InkML">
-  <inkml:definitions>
-    <inkml:context xml:id="ctx0">
-      <inkml:inkSource xml:id="inkSrc0">
-        <inkml:traceFormat>
-          <inkml:channel name="X" type="integer" min="-2.14748E9" max="2.14748E9" units="cm"/>
-          <inkml:channel name="Y" type="integer" min="-2.14748E9" max="2.14748E9" units="cm"/>
-        </inkml:traceFormat>
-        <inkml:channelProperties>
-          <inkml:channelProperty channel="X" name="resolution" value="1000" units="1/cm"/>
-          <inkml:channelProperty channel="Y" name="resolution" value="1000" units="1/cm"/>
-        </inkml:channelProperties>
-      </inkml:inkSource>
-      <inkml:timestamp xml:id="ts0" timeString="2021-09-10T04:45:57.920"/>
-    </inkml:context>
-    <inkml:brush xml:id="br0">
-      <inkml:brushProperty name="width" value="0.1" units="cm"/>
-      <inkml:brushProperty name="height" value="0.1" units="cm"/>
-      <inkml:brushProperty name="color" value="#333333"/>
-      <inkml:brushProperty name="ignorePressure" value="1"/>
-    </inkml:brush>
-  </inkml:definitions>
-  <inkml:trace contextRef="#ctx0" brushRef="#br0">0 40,'0'-6,"6"-3,9 1,8 2,6 1,4 2,4 2,1 0,0 1,1 0,-1 1,0-1,-1 0,0 0,0 1,0-1,-7 0</inkml:trace>
-</inkml:ink>
-</file>
-
-<file path=ppt/ink/ink90.xml><?xml version="1.0" encoding="utf-8"?>
+<file path=ppt/ink/ink89.xml><?xml version="1.0" encoding="utf-8"?>
 <inkml:ink xmlns:inkml="http://www.w3.org/2003/InkML">
   <inkml:definitions>
     <inkml:context xml:id="ctx0">
@@ -2811,7 +2655,34 @@
 </inkml:ink>
 </file>
 
-<file path=ppt/ink/ink91.xml><?xml version="1.0" encoding="utf-8"?>
+<file path=ppt/ink/ink9.xml><?xml version="1.0" encoding="utf-8"?>
+<inkml:ink xmlns:inkml="http://www.w3.org/2003/InkML">
+  <inkml:definitions>
+    <inkml:context xml:id="ctx0">
+      <inkml:inkSource xml:id="inkSrc0">
+        <inkml:traceFormat>
+          <inkml:channel name="X" type="integer" min="-2.14748E9" max="2.14748E9" units="cm"/>
+          <inkml:channel name="Y" type="integer" min="-2.14748E9" max="2.14748E9" units="cm"/>
+        </inkml:traceFormat>
+        <inkml:channelProperties>
+          <inkml:channelProperty channel="X" name="resolution" value="1000" units="1/cm"/>
+          <inkml:channelProperty channel="Y" name="resolution" value="1000" units="1/cm"/>
+        </inkml:channelProperties>
+      </inkml:inkSource>
+      <inkml:timestamp xml:id="ts0" timeString="2021-09-10T04:46:00.585"/>
+    </inkml:context>
+    <inkml:brush xml:id="br0">
+      <inkml:brushProperty name="width" value="0.1" units="cm"/>
+      <inkml:brushProperty name="height" value="0.1" units="cm"/>
+      <inkml:brushProperty name="color" value="#333333"/>
+      <inkml:brushProperty name="ignorePressure" value="1"/>
+    </inkml:brush>
+  </inkml:definitions>
+  <inkml:trace contextRef="#ctx0" brushRef="#br0">77 144,'-1'11,"0"1,-1-1,-1 1,1-1,-6 12,-9 43,10 89,6-96,-9 68,-7 39,10 320,9-266,-2 966,3-1145,1-1,11 52,0-10,-14-75,0-1,0 1,1 0,0 0,0-1,1 0,-1 1,1-1,1 0,-1 0,1 0,0-1,1 1,-1-1,1 0,0 0,0-1,1 0,7 5,-2-3,0-1,0-1,1 0,-1 0,1-1,0-1,0 0,0-1,0 0,16-1,12 0,2 1,69-8,-101 6,0-1,-1 0,1 0,-1-1,1 0,-1-1,0 0,0-1,0 1,-1-2,0 1,12-11,-11 6,-2 1,0-1,0-1,0 1,-2-1,1 0,-1 0,-1-1,3-12,5-22,5-48,-9 48,6-72,-5 1,-9-188,-3 120,3-1786,0 1940</inkml:trace>
+</inkml:ink>
+</file>
+
+<file path=ppt/ink/ink90.xml><?xml version="1.0" encoding="utf-8"?>
 <inkml:ink xmlns:inkml="http://www.w3.org/2003/InkML">
   <inkml:definitions>
     <inkml:context xml:id="ctx0">
@@ -2838,7 +2709,7 @@
 </inkml:ink>
 </file>
 
-<file path=ppt/ink/ink92.xml><?xml version="1.0" encoding="utf-8"?>
+<file path=ppt/ink/ink91.xml><?xml version="1.0" encoding="utf-8"?>
 <inkml:ink xmlns:inkml="http://www.w3.org/2003/InkML">
   <inkml:definitions>
     <inkml:context xml:id="ctx0">
@@ -2865,7 +2736,7 @@
 </inkml:ink>
 </file>
 
-<file path=ppt/ink/ink93.xml><?xml version="1.0" encoding="utf-8"?>
+<file path=ppt/ink/ink92.xml><?xml version="1.0" encoding="utf-8"?>
 <inkml:ink xmlns:inkml="http://www.w3.org/2003/InkML">
   <inkml:definitions>
     <inkml:context xml:id="ctx0">
@@ -2892,7 +2763,7 @@
 </inkml:ink>
 </file>
 
-<file path=ppt/ink/ink94.xml><?xml version="1.0" encoding="utf-8"?>
+<file path=ppt/ink/ink93.xml><?xml version="1.0" encoding="utf-8"?>
 <inkml:ink xmlns:inkml="http://www.w3.org/2003/InkML">
   <inkml:definitions>
     <inkml:context xml:id="ctx0">
@@ -2919,7 +2790,7 @@
 </inkml:ink>
 </file>
 
-<file path=ppt/ink/ink95.xml><?xml version="1.0" encoding="utf-8"?>
+<file path=ppt/ink/ink94.xml><?xml version="1.0" encoding="utf-8"?>
 <inkml:ink xmlns:inkml="http://www.w3.org/2003/InkML">
   <inkml:definitions>
     <inkml:context xml:id="ctx0">
@@ -2946,7 +2817,7 @@
 </inkml:ink>
 </file>
 
-<file path=ppt/ink/ink96.xml><?xml version="1.0" encoding="utf-8"?>
+<file path=ppt/ink/ink95.xml><?xml version="1.0" encoding="utf-8"?>
 <inkml:ink xmlns:inkml="http://www.w3.org/2003/InkML">
   <inkml:definitions>
     <inkml:context xml:id="ctx0">
@@ -2973,7 +2844,7 @@
 </inkml:ink>
 </file>
 
-<file path=ppt/ink/ink97.xml><?xml version="1.0" encoding="utf-8"?>
+<file path=ppt/ink/ink96.xml><?xml version="1.0" encoding="utf-8"?>
 <inkml:ink xmlns:inkml="http://www.w3.org/2003/InkML">
   <inkml:definitions>
     <inkml:context xml:id="ctx0">
@@ -3000,7 +2871,7 @@
 </inkml:ink>
 </file>
 
-<file path=ppt/ink/ink98.xml><?xml version="1.0" encoding="utf-8"?>
+<file path=ppt/ink/ink97.xml><?xml version="1.0" encoding="utf-8"?>
 <inkml:ink xmlns:inkml="http://www.w3.org/2003/InkML">
   <inkml:definitions>
     <inkml:context xml:id="ctx0">
@@ -3027,7 +2898,7 @@
 </inkml:ink>
 </file>
 
-<file path=ppt/ink/ink99.xml><?xml version="1.0" encoding="utf-8"?>
+<file path=ppt/ink/ink98.xml><?xml version="1.0" encoding="utf-8"?>
 <inkml:ink xmlns:inkml="http://www.w3.org/2003/InkML">
   <inkml:definitions>
     <inkml:context xml:id="ctx0">
@@ -3051,6 +2922,33 @@
     </inkml:brush>
   </inkml:definitions>
   <inkml:trace contextRef="#ctx0" brushRef="#br0">0 1,'0'47,"0"170,29 227,136 395,-76-487,-84-328,-1 0,1 36,2 19,1-42</inkml:trace>
+</inkml:ink>
+</file>
+
+<file path=ppt/ink/ink99.xml><?xml version="1.0" encoding="utf-8"?>
+<inkml:ink xmlns:inkml="http://www.w3.org/2003/InkML">
+  <inkml:definitions>
+    <inkml:context xml:id="ctx0">
+      <inkml:inkSource xml:id="inkSrc0">
+        <inkml:traceFormat>
+          <inkml:channel name="X" type="integer" min="-2.14748E9" max="2.14748E9" units="cm"/>
+          <inkml:channel name="Y" type="integer" min="-2.14748E9" max="2.14748E9" units="cm"/>
+        </inkml:traceFormat>
+        <inkml:channelProperties>
+          <inkml:channelProperty channel="X" name="resolution" value="1000" units="1/cm"/>
+          <inkml:channelProperty channel="Y" name="resolution" value="1000" units="1/cm"/>
+        </inkml:channelProperties>
+      </inkml:inkSource>
+      <inkml:timestamp xml:id="ts0" timeString="2021-09-10T07:30:33.211"/>
+    </inkml:context>
+    <inkml:brush xml:id="br0">
+      <inkml:brushProperty name="width" value="0.1" units="cm"/>
+      <inkml:brushProperty name="height" value="0.1" units="cm"/>
+      <inkml:brushProperty name="color" value="#333333"/>
+      <inkml:brushProperty name="ignorePressure" value="1"/>
+    </inkml:brush>
+  </inkml:definitions>
+  <inkml:trace contextRef="#ctx0" brushRef="#br0">1 1,'1'18,"1"0,1 1,1-1,9 28,8 37,27 335,20 110,-54-439,4 99,-2-15,-5-7,-6-63,-2-80,1 0,1-1,11 31,-9-33,-1 0,-1 0,4 30,-13-26,-7-9</inkml:trace>
 </inkml:ink>
 </file>
 
@@ -3136,7 +3034,7 @@
           <a:p>
             <a:fld id="{6C149846-55AD-4EBB-9B27-1B840425CEE0}" type="datetimeFigureOut">
               <a:rPr lang="vi-VN" smtClean="0"/>
-              <a:t>16/11/2021</a:t>
+              <a:t>20/10/2022</a:t>
             </a:fld>
             <a:endParaRPr lang="vi-VN"/>
           </a:p>
@@ -3550,7 +3448,7 @@
           <a:p>
             <a:fld id="{1B4A35E6-632F-4531-8017-A53208ABEADE}" type="datetime1">
               <a:rPr lang="vi-VN" smtClean="0"/>
-              <a:t>16/11/2021</a:t>
+              <a:t>20/10/2022</a:t>
             </a:fld>
             <a:endParaRPr lang="vi-VN"/>
           </a:p>
@@ -3748,7 +3646,7 @@
           <a:p>
             <a:fld id="{59200AA7-3ED8-43C9-B9A3-EBD44AAFEA35}" type="datetime1">
               <a:rPr lang="vi-VN" smtClean="0"/>
-              <a:t>16/11/2021</a:t>
+              <a:t>20/10/2022</a:t>
             </a:fld>
             <a:endParaRPr lang="vi-VN"/>
           </a:p>
@@ -3956,7 +3854,7 @@
           <a:p>
             <a:fld id="{58FAB865-24C5-4CCC-A49C-E342C172C364}" type="datetime1">
               <a:rPr lang="vi-VN" smtClean="0"/>
-              <a:t>16/11/2021</a:t>
+              <a:t>20/10/2022</a:t>
             </a:fld>
             <a:endParaRPr lang="vi-VN"/>
           </a:p>
@@ -4154,7 +4052,7 @@
           <a:p>
             <a:fld id="{1DEFA67E-47B5-4450-AFFF-C92C466CBDB6}" type="datetime1">
               <a:rPr lang="vi-VN" smtClean="0"/>
-              <a:t>16/11/2021</a:t>
+              <a:t>20/10/2022</a:t>
             </a:fld>
             <a:endParaRPr lang="vi-VN"/>
           </a:p>
@@ -4429,7 +4327,7 @@
           <a:p>
             <a:fld id="{42CF37BC-1814-4E31-8A6B-C4B2B189B75B}" type="datetime1">
               <a:rPr lang="vi-VN" smtClean="0"/>
-              <a:t>16/11/2021</a:t>
+              <a:t>20/10/2022</a:t>
             </a:fld>
             <a:endParaRPr lang="vi-VN"/>
           </a:p>
@@ -4694,7 +4592,7 @@
           <a:p>
             <a:fld id="{A3043855-C8E6-4252-94D2-001E8B1046AB}" type="datetime1">
               <a:rPr lang="vi-VN" smtClean="0"/>
-              <a:t>16/11/2021</a:t>
+              <a:t>20/10/2022</a:t>
             </a:fld>
             <a:endParaRPr lang="vi-VN"/>
           </a:p>
@@ -5106,7 +5004,7 @@
           <a:p>
             <a:fld id="{FD858212-0C91-4493-B67F-D6E92A0F1130}" type="datetime1">
               <a:rPr lang="vi-VN" smtClean="0"/>
-              <a:t>16/11/2021</a:t>
+              <a:t>20/10/2022</a:t>
             </a:fld>
             <a:endParaRPr lang="vi-VN"/>
           </a:p>
@@ -5247,7 +5145,7 @@
           <a:p>
             <a:fld id="{C6A943A1-70DA-4352-8A55-E7A5B5A6B6A3}" type="datetime1">
               <a:rPr lang="vi-VN" smtClean="0"/>
-              <a:t>16/11/2021</a:t>
+              <a:t>20/10/2022</a:t>
             </a:fld>
             <a:endParaRPr lang="vi-VN"/>
           </a:p>
@@ -5360,7 +5258,7 @@
           <a:p>
             <a:fld id="{3B31A6BD-AEED-4170-BF64-058004EAD912}" type="datetime1">
               <a:rPr lang="vi-VN" smtClean="0"/>
-              <a:t>16/11/2021</a:t>
+              <a:t>20/10/2022</a:t>
             </a:fld>
             <a:endParaRPr lang="vi-VN"/>
           </a:p>
@@ -5671,7 +5569,7 @@
           <a:p>
             <a:fld id="{7C4FB341-803A-4A47-AB50-066FA04174FC}" type="datetime1">
               <a:rPr lang="vi-VN" smtClean="0"/>
-              <a:t>16/11/2021</a:t>
+              <a:t>20/10/2022</a:t>
             </a:fld>
             <a:endParaRPr lang="vi-VN"/>
           </a:p>
@@ -5959,7 +5857,7 @@
           <a:p>
             <a:fld id="{1194F55A-49D2-431A-B964-F1EA19A8BD7D}" type="datetime1">
               <a:rPr lang="vi-VN" smtClean="0"/>
-              <a:t>16/11/2021</a:t>
+              <a:t>20/10/2022</a:t>
             </a:fld>
             <a:endParaRPr lang="vi-VN"/>
           </a:p>
@@ -6200,7 +6098,7 @@
           <a:p>
             <a:fld id="{969BA53E-9DCA-4A7A-9C38-FAD263549AA1}" type="datetime1">
               <a:rPr lang="vi-VN" smtClean="0"/>
-              <a:t>16/11/2021</a:t>
+              <a:t>20/10/2022</a:t>
             </a:fld>
             <a:endParaRPr lang="vi-VN"/>
           </a:p>
@@ -6749,6 +6647,145 @@
           <p:cNvPr id="2" name="Tiêu đề 1">
             <a:extLst>
               <a:ext uri="{FF2B5EF4-FFF2-40B4-BE49-F238E27FC236}">
+                <a16:creationId xmlns:a16="http://schemas.microsoft.com/office/drawing/2014/main" id="{9ECFD193-9DA1-4605-8580-6C9B604A8FCE}"/>
+              </a:ext>
+            </a:extLst>
+          </p:cNvPr>
+          <p:cNvSpPr>
+            <a:spLocks noGrp="1"/>
+          </p:cNvSpPr>
+          <p:nvPr>
+            <p:ph type="title"/>
+          </p:nvPr>
+        </p:nvSpPr>
+        <p:spPr/>
+        <p:txBody>
+          <a:bodyPr/>
+          <a:lstStyle/>
+          <a:p>
+            <a:r>
+              <a:rPr lang="en-US"/>
+              <a:t>Manage source code</a:t>
+            </a:r>
+            <a:endParaRPr lang="vi-VN"/>
+          </a:p>
+        </p:txBody>
+      </p:sp>
+      <p:sp>
+        <p:nvSpPr>
+          <p:cNvPr id="3" name="Chỗ dành sẵn cho Nội dung 2">
+            <a:extLst>
+              <a:ext uri="{FF2B5EF4-FFF2-40B4-BE49-F238E27FC236}">
+                <a16:creationId xmlns:a16="http://schemas.microsoft.com/office/drawing/2014/main" id="{588D9739-EC10-4744-818C-8E497A06BF17}"/>
+              </a:ext>
+            </a:extLst>
+          </p:cNvPr>
+          <p:cNvSpPr>
+            <a:spLocks noGrp="1"/>
+          </p:cNvSpPr>
+          <p:nvPr>
+            <p:ph idx="1"/>
+          </p:nvPr>
+        </p:nvSpPr>
+        <p:spPr/>
+        <p:txBody>
+          <a:bodyPr/>
+          <a:lstStyle/>
+          <a:p>
+            <a:pPr marL="0" indent="0">
+              <a:buNone/>
+            </a:pPr>
+            <a:r>
+              <a:rPr lang="en-US"/>
+              <a:t>Bug / new feature:</a:t>
+            </a:r>
+          </a:p>
+          <a:p>
+            <a:pPr>
+              <a:buFontTx/>
+              <a:buChar char="-"/>
+            </a:pPr>
+            <a:r>
+              <a:rPr lang="en-US"/>
+              <a:t>Should be managed by both Github issue and Task manager</a:t>
+            </a:r>
+          </a:p>
+          <a:p>
+            <a:pPr>
+              <a:buFontTx/>
+              <a:buChar char="-"/>
+            </a:pPr>
+            <a:r>
+              <a:rPr lang="en-US"/>
+              <a:t>Fix at a new branch and merge to the  feature branch when fixed</a:t>
+            </a:r>
+          </a:p>
+        </p:txBody>
+      </p:sp>
+      <p:sp>
+        <p:nvSpPr>
+          <p:cNvPr id="4" name="Chỗ dành sẵn cho Số hiệu Bản chiếu 3">
+            <a:extLst>
+              <a:ext uri="{FF2B5EF4-FFF2-40B4-BE49-F238E27FC236}">
+                <a16:creationId xmlns:a16="http://schemas.microsoft.com/office/drawing/2014/main" id="{2B3B9431-FB08-4FF5-9767-6712FC2D1A6A}"/>
+              </a:ext>
+            </a:extLst>
+          </p:cNvPr>
+          <p:cNvSpPr>
+            <a:spLocks noGrp="1"/>
+          </p:cNvSpPr>
+          <p:nvPr>
+            <p:ph type="sldNum" sz="quarter" idx="12"/>
+          </p:nvPr>
+        </p:nvSpPr>
+        <p:spPr/>
+        <p:txBody>
+          <a:bodyPr/>
+          <a:lstStyle/>
+          <a:p>
+            <a:fld id="{480537A9-B8B1-481D-9BE4-179EB839AE15}" type="slidenum">
+              <a:rPr lang="vi-VN" smtClean="0"/>
+              <a:t>10</a:t>
+            </a:fld>
+            <a:endParaRPr lang="vi-VN"/>
+          </a:p>
+        </p:txBody>
+      </p:sp>
+    </p:spTree>
+    <p:extLst>
+      <p:ext uri="{BB962C8B-B14F-4D97-AF65-F5344CB8AC3E}">
+        <p14:creationId xmlns:p14="http://schemas.microsoft.com/office/powerpoint/2010/main" val="4086135448"/>
+      </p:ext>
+    </p:extLst>
+  </p:cSld>
+  <p:clrMapOvr>
+    <a:masterClrMapping/>
+  </p:clrMapOvr>
+</p:sld>
+</file>
+
+<file path=ppt/slides/slide11.xml><?xml version="1.0" encoding="utf-8"?>
+<p:sld xmlns:a="http://schemas.openxmlformats.org/drawingml/2006/main" xmlns:r="http://schemas.openxmlformats.org/officeDocument/2006/relationships" xmlns:p="http://schemas.openxmlformats.org/presentationml/2006/main">
+  <p:cSld>
+    <p:spTree>
+      <p:nvGrpSpPr>
+        <p:cNvPr id="1" name=""/>
+        <p:cNvGrpSpPr/>
+        <p:nvPr/>
+      </p:nvGrpSpPr>
+      <p:grpSpPr>
+        <a:xfrm>
+          <a:off x="0" y="0"/>
+          <a:ext cx="0" cy="0"/>
+          <a:chOff x="0" y="0"/>
+          <a:chExt cx="0" cy="0"/>
+        </a:xfrm>
+      </p:grpSpPr>
+      <p:sp>
+        <p:nvSpPr>
+          <p:cNvPr id="2" name="Tiêu đề 1">
+            <a:extLst>
+              <a:ext uri="{FF2B5EF4-FFF2-40B4-BE49-F238E27FC236}">
                 <a16:creationId xmlns:a16="http://schemas.microsoft.com/office/drawing/2014/main" id="{30AF1D5B-96D7-47E7-93F9-F5A8DFF25A4F}"/>
               </a:ext>
             </a:extLst>
@@ -6827,7 +6864,7 @@
           <a:p>
             <a:fld id="{480537A9-B8B1-481D-9BE4-179EB839AE15}" type="slidenum">
               <a:rPr lang="vi-VN" smtClean="0"/>
-              <a:t>10</a:t>
+              <a:t>11</a:t>
             </a:fld>
             <a:endParaRPr lang="vi-VN"/>
           </a:p>
@@ -6846,7 +6883,7 @@
 </p:sld>
 </file>
 
-<file path=ppt/slides/slide11.xml><?xml version="1.0" encoding="utf-8"?>
+<file path=ppt/slides/slide12.xml><?xml version="1.0" encoding="utf-8"?>
 <p:sld xmlns:a="http://schemas.openxmlformats.org/drawingml/2006/main" xmlns:r="http://schemas.openxmlformats.org/officeDocument/2006/relationships" xmlns:p="http://schemas.openxmlformats.org/presentationml/2006/main">
   <p:cSld>
     <p:spTree>
@@ -6915,7 +6952,7 @@
           <a:p>
             <a:fld id="{480537A9-B8B1-481D-9BE4-179EB839AE15}" type="slidenum">
               <a:rPr lang="vi-VN" smtClean="0"/>
-              <a:t>11</a:t>
+              <a:t>12</a:t>
             </a:fld>
             <a:endParaRPr lang="vi-VN"/>
           </a:p>
@@ -9528,57 +9565,6 @@
           </a:p>
         </p:txBody>
       </p:sp>
-      <mc:AlternateContent xmlns:mc="http://schemas.openxmlformats.org/markup-compatibility/2006" xmlns:p14="http://schemas.microsoft.com/office/powerpoint/2010/main">
-        <mc:Choice Requires="p14">
-          <p:contentPart p14:bwMode="auto" r:id="rId2">
-            <p14:nvContentPartPr>
-              <p14:cNvPr id="3" name="Viết tay 2">
-                <a:extLst>
-                  <a:ext uri="{FF2B5EF4-FFF2-40B4-BE49-F238E27FC236}">
-                    <a16:creationId xmlns:a16="http://schemas.microsoft.com/office/drawing/2014/main" id="{E3F25822-EA0B-4546-A42E-430682073CF0}"/>
-                  </a:ext>
-                </a:extLst>
-              </p14:cNvPr>
-              <p14:cNvContentPartPr/>
-              <p14:nvPr/>
-            </p14:nvContentPartPr>
-            <p14:xfrm>
-              <a:off x="170280" y="1470240"/>
-              <a:ext cx="5549400" cy="3801600"/>
-            </p14:xfrm>
-          </p:contentPart>
-        </mc:Choice>
-        <mc:Fallback xmlns="">
-          <p:pic>
-            <p:nvPicPr>
-              <p:cNvPr id="3" name="Viết tay 2">
-                <a:extLst>
-                  <a:ext uri="{FF2B5EF4-FFF2-40B4-BE49-F238E27FC236}">
-                    <a16:creationId xmlns:a16="http://schemas.microsoft.com/office/drawing/2014/main" id="{E3F25822-EA0B-4546-A42E-430682073CF0}"/>
-                  </a:ext>
-                </a:extLst>
-              </p:cNvPr>
-              <p:cNvPicPr/>
-              <p:nvPr/>
-            </p:nvPicPr>
-            <p:blipFill>
-              <a:blip r:embed="rId3"/>
-              <a:stretch>
-                <a:fillRect/>
-              </a:stretch>
-            </p:blipFill>
-            <p:spPr>
-              <a:xfrm>
-                <a:off x="160920" y="1460880"/>
-                <a:ext cx="5568120" cy="3820320"/>
-              </a:xfrm>
-              <a:prstGeom prst="rect">
-                <a:avLst/>
-              </a:prstGeom>
-            </p:spPr>
-          </p:pic>
-        </mc:Fallback>
-      </mc:AlternateContent>
       <p:sp>
         <p:nvSpPr>
           <p:cNvPr id="7" name="Chỗ dành sẵn cho Số hiệu Bản chiếu 6">
@@ -17643,7 +17629,7 @@
           <p:cNvPr id="2" name="Tiêu đề 1">
             <a:extLst>
               <a:ext uri="{FF2B5EF4-FFF2-40B4-BE49-F238E27FC236}">
-                <a16:creationId xmlns:a16="http://schemas.microsoft.com/office/drawing/2014/main" id="{9ECFD193-9DA1-4605-8580-6C9B604A8FCE}"/>
+                <a16:creationId xmlns:a16="http://schemas.microsoft.com/office/drawing/2014/main" id="{2E511F5F-7A11-73D4-0227-8E1CD8207408}"/>
               </a:ext>
             </a:extLst>
           </p:cNvPr>
@@ -17661,7 +17647,7 @@
           <a:p>
             <a:r>
               <a:rPr lang="en-US"/>
-              <a:t>Manage source code</a:t>
+              <a:t>Step </a:t>
             </a:r>
             <a:endParaRPr lang="vi-VN"/>
           </a:p>
@@ -17672,7 +17658,7 @@
           <p:cNvPr id="3" name="Chỗ dành sẵn cho Nội dung 2">
             <a:extLst>
               <a:ext uri="{FF2B5EF4-FFF2-40B4-BE49-F238E27FC236}">
-                <a16:creationId xmlns:a16="http://schemas.microsoft.com/office/drawing/2014/main" id="{588D9739-EC10-4744-818C-8E497A06BF17}"/>
+                <a16:creationId xmlns:a16="http://schemas.microsoft.com/office/drawing/2014/main" id="{E674B426-EC44-8D0C-9C97-362AAF99A4DF}"/>
               </a:ext>
             </a:extLst>
           </p:cNvPr>
@@ -17685,15 +17671,35 @@
         </p:nvSpPr>
         <p:spPr/>
         <p:txBody>
-          <a:bodyPr/>
+          <a:bodyPr>
+            <a:normAutofit fontScale="92500" lnSpcReduction="20000"/>
+          </a:bodyPr>
           <a:lstStyle/>
+          <a:p>
+            <a:pPr marL="514350" indent="-514350">
+              <a:buAutoNum type="arabicPeriod"/>
+            </a:pPr>
+            <a:r>
+              <a:rPr lang="en-US"/>
+              <a:t>Using folder Code in SampleProjectCS4273</a:t>
+            </a:r>
+          </a:p>
+          <a:p>
+            <a:pPr marL="514350" indent="-514350">
+              <a:buAutoNum type="arabicPeriod"/>
+            </a:pPr>
+            <a:r>
+              <a:rPr lang="en-US"/>
+              <a:t>Open it by Visual Studio Code</a:t>
+            </a:r>
+          </a:p>
           <a:p>
             <a:pPr marL="0" indent="0">
               <a:buNone/>
             </a:pPr>
             <a:r>
               <a:rPr lang="en-US"/>
-              <a:t>If members are developed in the same branch:</a:t>
+              <a:t>Start server (install Python): </a:t>
             </a:r>
           </a:p>
           <a:p>
@@ -17702,7 +17708,7 @@
             </a:pPr>
             <a:r>
               <a:rPr lang="en-US"/>
-              <a:t>- git pull at morning</a:t>
+              <a:t>+ cd BE</a:t>
             </a:r>
           </a:p>
           <a:p>
@@ -17711,7 +17717,7 @@
             </a:pPr>
             <a:r>
               <a:rPr lang="en-US"/>
-              <a:t>- git push at afternoon</a:t>
+              <a:t>+ install dependency package via “pip install [package name]”</a:t>
             </a:r>
           </a:p>
           <a:p>
@@ -17720,7 +17726,7 @@
             </a:pPr>
             <a:r>
               <a:rPr lang="en-US"/>
-              <a:t>Otherwise:</a:t>
+              <a:t>+ Type “python controller.py”</a:t>
             </a:r>
           </a:p>
           <a:p>
@@ -17729,7 +17735,7 @@
             </a:pPr>
             <a:r>
               <a:rPr lang="en-US"/>
-              <a:t>- Each branch will be a separated feature/task.</a:t>
+              <a:t>Start client (install Nodejs):</a:t>
             </a:r>
           </a:p>
           <a:p>
@@ -17738,8 +17744,27 @@
             </a:pPr>
             <a:r>
               <a:rPr lang="en-US"/>
-              <a:t>- Feature branches should be merged to the "main" branch at the end of each sprint (Conflict between branches will be terrible). After that, all members check out and pull source code at the "main" branch.</a:t>
+              <a:t>+ cd FE</a:t>
             </a:r>
+          </a:p>
+          <a:p>
+            <a:pPr marL="0" indent="0">
+              <a:buNone/>
+            </a:pPr>
+            <a:r>
+              <a:rPr lang="en-US"/>
+              <a:t>+ install node_modules via “npm i”</a:t>
+            </a:r>
+          </a:p>
+          <a:p>
+            <a:pPr marL="0" indent="0">
+              <a:buNone/>
+            </a:pPr>
+            <a:r>
+              <a:rPr lang="en-US"/>
+              <a:t>+ Type “npm start”</a:t>
+            </a:r>
+            <a:endParaRPr lang="vi-VN"/>
           </a:p>
         </p:txBody>
       </p:sp>
@@ -17748,7 +17773,7 @@
           <p:cNvPr id="4" name="Chỗ dành sẵn cho Số hiệu Bản chiếu 3">
             <a:extLst>
               <a:ext uri="{FF2B5EF4-FFF2-40B4-BE49-F238E27FC236}">
-                <a16:creationId xmlns:a16="http://schemas.microsoft.com/office/drawing/2014/main" id="{59540FB9-E93E-42E5-BC76-426479ACB0E1}"/>
+                <a16:creationId xmlns:a16="http://schemas.microsoft.com/office/drawing/2014/main" id="{C3465688-1DE1-573A-30F6-0E21F2D540EF}"/>
               </a:ext>
             </a:extLst>
           </p:cNvPr>
@@ -17775,7 +17800,7 @@
     </p:spTree>
     <p:extLst>
       <p:ext uri="{BB962C8B-B14F-4D97-AF65-F5344CB8AC3E}">
-        <p14:creationId xmlns:p14="http://schemas.microsoft.com/office/powerpoint/2010/main" val="1413919016"/>
+        <p14:creationId xmlns:p14="http://schemas.microsoft.com/office/powerpoint/2010/main" val="837645520"/>
       </p:ext>
     </p:extLst>
   </p:cSld>
@@ -17857,27 +17882,52 @@
             </a:pPr>
             <a:r>
               <a:rPr lang="en-US"/>
-              <a:t>Bug / new feature:</a:t>
+              <a:t>If members are developed in the same branch:</a:t>
             </a:r>
           </a:p>
           <a:p>
-            <a:pPr>
-              <a:buFontTx/>
-              <a:buChar char="-"/>
+            <a:pPr marL="0" indent="0">
+              <a:buNone/>
             </a:pPr>
             <a:r>
               <a:rPr lang="en-US"/>
-              <a:t>Should be managed by both Github issue and Task manager</a:t>
+              <a:t>- git pull at morning</a:t>
             </a:r>
           </a:p>
           <a:p>
-            <a:pPr>
-              <a:buFontTx/>
-              <a:buChar char="-"/>
+            <a:pPr marL="0" indent="0">
+              <a:buNone/>
             </a:pPr>
             <a:r>
               <a:rPr lang="en-US"/>
-              <a:t>Fix at a new branch and merge to the  feature branch when fixed</a:t>
+              <a:t>- git push at afternoon</a:t>
+            </a:r>
+          </a:p>
+          <a:p>
+            <a:pPr marL="0" indent="0">
+              <a:buNone/>
+            </a:pPr>
+            <a:r>
+              <a:rPr lang="en-US"/>
+              <a:t>Otherwise:</a:t>
+            </a:r>
+          </a:p>
+          <a:p>
+            <a:pPr marL="0" indent="0">
+              <a:buNone/>
+            </a:pPr>
+            <a:r>
+              <a:rPr lang="en-US"/>
+              <a:t>- Each branch will be a separated feature/task.</a:t>
+            </a:r>
+          </a:p>
+          <a:p>
+            <a:pPr marL="0" indent="0">
+              <a:buNone/>
+            </a:pPr>
+            <a:r>
+              <a:rPr lang="en-US"/>
+              <a:t>- Feature branches should be merged to the "main" branch at the end of each sprint (Conflict between branches will be terrible). After that, all members check out and pull source code at the "main" branch.</a:t>
             </a:r>
           </a:p>
         </p:txBody>
@@ -17887,7 +17937,7 @@
           <p:cNvPr id="4" name="Chỗ dành sẵn cho Số hiệu Bản chiếu 3">
             <a:extLst>
               <a:ext uri="{FF2B5EF4-FFF2-40B4-BE49-F238E27FC236}">
-                <a16:creationId xmlns:a16="http://schemas.microsoft.com/office/drawing/2014/main" id="{2B3B9431-FB08-4FF5-9767-6712FC2D1A6A}"/>
+                <a16:creationId xmlns:a16="http://schemas.microsoft.com/office/drawing/2014/main" id="{59540FB9-E93E-42E5-BC76-426479ACB0E1}"/>
               </a:ext>
             </a:extLst>
           </p:cNvPr>
@@ -17914,7 +17964,7 @@
     </p:spTree>
     <p:extLst>
       <p:ext uri="{BB962C8B-B14F-4D97-AF65-F5344CB8AC3E}">
-        <p14:creationId xmlns:p14="http://schemas.microsoft.com/office/powerpoint/2010/main" val="4086135448"/>
+        <p14:creationId xmlns:p14="http://schemas.microsoft.com/office/powerpoint/2010/main" val="1413919016"/>
       </p:ext>
     </p:extLst>
   </p:cSld>
